--- a/slides/python_biopython_Parsing_Object.pptx
+++ b/slides/python_biopython_Parsing_Object.pptx
@@ -211,6 +211,20 @@
         </p14:section>
       </p14:sectionLst>
     </p:ext>
+    <p:ext uri="{EFAFB233-063F-42B5-8137-9DF3F51BA10A}">
+      <p15:sldGuideLst xmlns:p15="http://schemas.microsoft.com/office/powerpoint/2012/main">
+        <p15:guide id="1" orient="horz" pos="2160">
+          <p15:clr>
+            <a:srgbClr val="A4A3A4"/>
+          </p15:clr>
+        </p15:guide>
+        <p15:guide id="2" pos="2880">
+          <p15:clr>
+            <a:srgbClr val="A4A3A4"/>
+          </p15:clr>
+        </p15:guide>
+      </p15:sldGuideLst>
+    </p:ext>
   </p:extLst>
 </p:presentation>
 </file>
@@ -297,7 +311,7 @@
           <a:p>
             <a:fld id="{5EB47243-285B-2741-8C7D-C88258D9CCFA}" type="datetimeFigureOut">
               <a:rPr lang="fr-FR" smtClean="0"/>
-              <a:t>17/11/16</a:t>
+              <a:t>08/11/2018</a:t>
             </a:fld>
             <a:endParaRPr lang="fr-FR"/>
           </a:p>
@@ -363,7 +377,7 @@
           <a:p>
             <a:fld id="{C5CA9166-BC48-2C47-B9BF-6F57720E77B8}" type="slidenum">
               <a:rPr lang="fr-FR" smtClean="0"/>
-              <a:t>‹#›</a:t>
+              <a:t>‹N°›</a:t>
             </a:fld>
             <a:endParaRPr lang="fr-FR"/>
           </a:p>
@@ -463,7 +477,7 @@
           <a:p>
             <a:fld id="{7D088D39-B4EA-D24B-B9C3-6A64886EABE2}" type="datetimeFigureOut">
               <a:rPr lang="fr-FR" smtClean="0"/>
-              <a:t>17/11/16</a:t>
+              <a:t>08/11/2018</a:t>
             </a:fld>
             <a:endParaRPr lang="fr-FR"/>
           </a:p>
@@ -527,38 +541,37 @@
           <a:p>
             <a:pPr lvl="0"/>
             <a:r>
-              <a:rPr lang="fr-FR" smtClean="0"/>
+              <a:rPr lang="fr-FR"/>
               <a:t>Cliquez pour modifier les styles du texte du masque</a:t>
             </a:r>
           </a:p>
           <a:p>
             <a:pPr lvl="1"/>
             <a:r>
-              <a:rPr lang="fr-FR" smtClean="0"/>
+              <a:rPr lang="fr-FR"/>
               <a:t>Deuxième niveau</a:t>
             </a:r>
           </a:p>
           <a:p>
             <a:pPr lvl="2"/>
             <a:r>
-              <a:rPr lang="fr-FR" smtClean="0"/>
+              <a:rPr lang="fr-FR"/>
               <a:t>Troisième niveau</a:t>
             </a:r>
           </a:p>
           <a:p>
             <a:pPr lvl="3"/>
             <a:r>
-              <a:rPr lang="fr-FR" smtClean="0"/>
+              <a:rPr lang="fr-FR"/>
               <a:t>Quatrième niveau</a:t>
             </a:r>
           </a:p>
           <a:p>
             <a:pPr lvl="4"/>
             <a:r>
-              <a:rPr lang="fr-FR" smtClean="0"/>
+              <a:rPr lang="fr-FR"/>
               <a:t>Cinquième niveau</a:t>
             </a:r>
-            <a:endParaRPr lang="fr-FR"/>
           </a:p>
         </p:txBody>
       </p:sp>
@@ -622,7 +635,7 @@
           <a:p>
             <a:fld id="{1C0E2CBA-6097-B848-A7DA-4D7BD6EB303B}" type="slidenum">
               <a:rPr lang="fr-FR" smtClean="0"/>
-              <a:t>‹#›</a:t>
+              <a:t>‹N°›</a:t>
             </a:fld>
             <a:endParaRPr lang="fr-FR"/>
           </a:p>
@@ -777,26 +790,26 @@
           <a:lstStyle/>
           <a:p>
             <a:r>
-              <a:rPr lang="fr-FR" dirty="0" smtClean="0"/>
+              <a:rPr lang="fr-FR" dirty="0"/>
               <a:t>Cpte élève:</a:t>
             </a:r>
             <a:r>
-              <a:rPr lang="fr-FR" baseline="0" dirty="0" smtClean="0"/>
+              <a:rPr lang="fr-FR" baseline="0" dirty="0"/>
               <a:t> </a:t>
             </a:r>
             <a:r>
-              <a:rPr lang="fr-FR" baseline="0" dirty="0" err="1" smtClean="0"/>
+              <a:rPr lang="fr-FR" baseline="0" dirty="0" err="1"/>
               <a:t>padawan</a:t>
             </a:r>
-            <a:endParaRPr lang="fr-FR" dirty="0" smtClean="0"/>
-          </a:p>
-          <a:p>
-            <a:r>
-              <a:rPr lang="fr-FR" dirty="0" smtClean="0"/>
+            <a:endParaRPr lang="fr-FR" dirty="0"/>
+          </a:p>
+          <a:p>
+            <a:r>
+              <a:rPr lang="fr-FR" dirty="0"/>
               <a:t>Mot de passe:</a:t>
             </a:r>
             <a:r>
-              <a:rPr lang="fr-FR" baseline="0" dirty="0" smtClean="0"/>
+              <a:rPr lang="fr-FR" baseline="0" dirty="0"/>
               <a:t> trust</a:t>
             </a:r>
             <a:endParaRPr lang="fr-FR" dirty="0"/>
@@ -884,7 +897,7 @@
           <a:lstStyle/>
           <a:p>
             <a:r>
-              <a:rPr lang="en-US" sz="1200" kern="1200" dirty="0" smtClean="0">
+              <a:rPr lang="en-US" sz="1200" kern="1200" dirty="0">
                 <a:solidFill>
                   <a:schemeClr val="tx1"/>
                 </a:solidFill>
@@ -896,7 +909,7 @@
               <a:t>human readable summary of most of the annotation data for the</a:t>
             </a:r>
             <a:r>
-              <a:rPr lang="en-US" sz="1200" kern="1200" baseline="0" dirty="0" smtClean="0">
+              <a:rPr lang="en-US" sz="1200" kern="1200" baseline="0" dirty="0">
                 <a:solidFill>
                   <a:schemeClr val="tx1"/>
                 </a:solidFill>
@@ -908,7 +921,7 @@
               <a:t> </a:t>
             </a:r>
             <a:r>
-              <a:rPr lang="en-US" sz="1200" kern="1200" dirty="0" err="1" smtClean="0">
+              <a:rPr lang="en-US" sz="1200" kern="1200" dirty="0" err="1">
                 <a:solidFill>
                   <a:schemeClr val="tx1"/>
                 </a:solidFill>
@@ -919,7 +932,7 @@
               </a:rPr>
               <a:t>SeqRecord</a:t>
             </a:r>
-            <a:endParaRPr lang="en-US" sz="1200" kern="1200" dirty="0" smtClean="0">
+            <a:endParaRPr lang="en-US" sz="1200" kern="1200" dirty="0">
               <a:solidFill>
                 <a:schemeClr val="tx1"/>
               </a:solidFill>
@@ -1032,7 +1045,7 @@
               <a:defRPr/>
             </a:pPr>
             <a:r>
-              <a:rPr kumimoji="0" lang="fr-FR" sz="1800" b="0" i="0" u="none" strike="noStrike" kern="0" cap="none" spc="0" normalizeH="0" baseline="0" noProof="0" dirty="0" smtClean="0">
+              <a:rPr kumimoji="0" lang="fr-FR" sz="1800" b="0" i="0" u="none" strike="noStrike" kern="0" cap="none" spc="0" normalizeH="0" baseline="0" noProof="0" dirty="0">
                 <a:ln>
                   <a:noFill/>
                 </a:ln>
@@ -1048,20 +1061,6 @@
               </a:rPr>
               <a:t> </a:t>
             </a:r>
-            <a:endParaRPr kumimoji="0" lang="fr-FR" sz="1800" b="0" i="0" u="none" strike="noStrike" kern="0" cap="none" spc="0" normalizeH="0" baseline="0" noProof="0" dirty="0">
-              <a:ln>
-                <a:noFill/>
-              </a:ln>
-              <a:solidFill>
-                <a:srgbClr val="000000"/>
-              </a:solidFill>
-              <a:effectLst/>
-              <a:uLnTx/>
-              <a:uFillTx/>
-              <a:latin typeface="Arial"/>
-              <a:ea typeface="+mn-ea"/>
-              <a:cs typeface="+mn-cs"/>
-            </a:endParaRPr>
           </a:p>
         </p:txBody>
       </p:sp>
@@ -1198,7 +1197,7 @@
               <a:defRPr/>
             </a:pPr>
             <a:r>
-              <a:rPr kumimoji="0" lang="fr-FR" sz="1800" b="0" i="0" u="none" strike="noStrike" kern="0" cap="none" spc="0" normalizeH="0" baseline="0" noProof="0" dirty="0" smtClean="0">
+              <a:rPr kumimoji="0" lang="fr-FR" sz="1800" b="0" i="0" u="none" strike="noStrike" kern="0" cap="none" spc="0" normalizeH="0" baseline="0" noProof="0" dirty="0">
                 <a:ln>
                   <a:noFill/>
                 </a:ln>
@@ -1211,17 +1210,6 @@
               </a:rPr>
               <a:t>Cliquez pour modifier le style des sous-titres du masque</a:t>
             </a:r>
-            <a:endParaRPr kumimoji="0" lang="fr-FR" sz="1800" b="0" i="0" u="none" strike="noStrike" kern="0" cap="none" spc="0" normalizeH="0" baseline="0" noProof="0" dirty="0">
-              <a:ln>
-                <a:noFill/>
-              </a:ln>
-              <a:solidFill>
-                <a:srgbClr val="FFFFFF"/>
-              </a:solidFill>
-              <a:effectLst/>
-              <a:uLnTx/>
-              <a:uFillTx/>
-            </a:endParaRPr>
           </a:p>
         </p:txBody>
       </p:sp>
@@ -1284,10 +1272,9 @@
           </a:lstStyle>
           <a:p>
             <a:r>
-              <a:rPr lang="fr-FR" dirty="0" smtClean="0"/>
+              <a:rPr lang="fr-FR" dirty="0"/>
               <a:t>Cliquez et modifiez le titre</a:t>
             </a:r>
-            <a:endParaRPr lang="fr-FR" dirty="0"/>
           </a:p>
         </p:txBody>
       </p:sp>
@@ -1301,13 +1288,6 @@
   <p:clrMapOvr>
     <a:masterClrMapping/>
   </p:clrMapOvr>
-  <p:timing>
-    <p:tnLst>
-      <p:par>
-        <p:cTn xmlns:p14="http://schemas.microsoft.com/office/powerpoint/2010/main" id="1" dur="indefinite" restart="never" nodeType="tmRoot"/>
-      </p:par>
-    </p:tnLst>
-  </p:timing>
 </p:sldLayout>
 </file>
 
@@ -1451,18 +1431,13 @@
           <a:p>
             <a:pPr algn="ctr"/>
             <a:r>
-              <a:rPr lang="fr-FR" dirty="0" smtClean="0">
+              <a:rPr lang="fr-FR" dirty="0">
                 <a:solidFill>
                   <a:schemeClr val="bg1"/>
                 </a:solidFill>
               </a:rPr>
               <a:t> </a:t>
             </a:r>
-            <a:endParaRPr lang="fr-FR" dirty="0">
-              <a:solidFill>
-                <a:schemeClr val="bg1"/>
-              </a:solidFill>
-            </a:endParaRPr>
           </a:p>
         </p:txBody>
       </p:sp>
@@ -1510,18 +1485,13 @@
           <a:p>
             <a:pPr algn="ctr"/>
             <a:r>
-              <a:rPr lang="fr-FR" dirty="0" smtClean="0">
+              <a:rPr lang="fr-FR" dirty="0">
                 <a:solidFill>
                   <a:schemeClr val="bg1"/>
                 </a:solidFill>
               </a:rPr>
               <a:t> </a:t>
             </a:r>
-            <a:endParaRPr lang="fr-FR" dirty="0">
-              <a:solidFill>
-                <a:schemeClr val="bg1"/>
-              </a:solidFill>
-            </a:endParaRPr>
           </a:p>
         </p:txBody>
       </p:sp>
@@ -1535,13 +1505,6 @@
   <p:clrMapOvr>
     <a:masterClrMapping/>
   </p:clrMapOvr>
-  <p:timing>
-    <p:tnLst>
-      <p:par>
-        <p:cTn xmlns:p14="http://schemas.microsoft.com/office/powerpoint/2010/main" id="1" dur="indefinite" restart="never" nodeType="tmRoot"/>
-      </p:par>
-    </p:tnLst>
-  </p:timing>
 </p:sldLayout>
 </file>
 
@@ -1641,10 +1604,9 @@
           </a:lstStyle>
           <a:p>
             <a:r>
-              <a:rPr lang="fr-FR" dirty="0" smtClean="0"/>
+              <a:rPr lang="fr-FR" dirty="0"/>
               <a:t>Cliquez et modifiez le titre</a:t>
             </a:r>
-            <a:endParaRPr lang="fr-FR" dirty="0"/>
           </a:p>
         </p:txBody>
       </p:sp>
@@ -1776,7 +1738,7 @@
               <a:defRPr/>
             </a:pPr>
             <a:r>
-              <a:rPr kumimoji="0" lang="fr-FR" sz="2000" b="0" i="0" u="none" strike="noStrike" kern="1200" cap="none" spc="0" normalizeH="0" baseline="0" noProof="0" dirty="0" smtClean="0">
+              <a:rPr kumimoji="0" lang="fr-FR" sz="2000" b="0" i="0" u="none" strike="noStrike" kern="1200" cap="none" spc="0" normalizeH="0" baseline="0" noProof="0" dirty="0">
                 <a:ln>
                   <a:noFill/>
                 </a:ln>
@@ -1814,7 +1776,7 @@
               <a:defRPr/>
             </a:pPr>
             <a:r>
-              <a:rPr kumimoji="0" lang="fr-FR" sz="1600" b="0" i="0" u="none" strike="noStrike" kern="1200" cap="none" spc="0" normalizeH="0" baseline="0" noProof="0" dirty="0" smtClean="0">
+              <a:rPr kumimoji="0" lang="fr-FR" sz="1600" b="0" i="0" u="none" strike="noStrike" kern="1200" cap="none" spc="0" normalizeH="0" baseline="0" noProof="0" dirty="0">
                 <a:ln>
                   <a:noFill/>
                 </a:ln>
@@ -1850,7 +1812,7 @@
               <a:defRPr/>
             </a:pPr>
             <a:r>
-              <a:rPr kumimoji="0" lang="fr-FR" sz="1600" b="0" i="0" u="none" strike="noStrike" kern="1200" cap="none" spc="0" normalizeH="0" baseline="0" noProof="0" dirty="0" smtClean="0">
+              <a:rPr kumimoji="0" lang="fr-FR" sz="1600" b="0" i="0" u="none" strike="noStrike" kern="1200" cap="none" spc="0" normalizeH="0" baseline="0" noProof="0" dirty="0">
                 <a:ln>
                   <a:noFill/>
                 </a:ln>
@@ -1886,7 +1848,7 @@
               <a:defRPr/>
             </a:pPr>
             <a:r>
-              <a:rPr kumimoji="0" lang="fr-FR" sz="1600" b="0" i="0" u="none" strike="noStrike" kern="1200" cap="none" spc="0" normalizeH="0" baseline="0" noProof="0" dirty="0" smtClean="0">
+              <a:rPr kumimoji="0" lang="fr-FR" sz="1600" b="0" i="0" u="none" strike="noStrike" kern="1200" cap="none" spc="0" normalizeH="0" baseline="0" noProof="0" dirty="0">
                 <a:ln>
                   <a:noFill/>
                 </a:ln>
@@ -1922,7 +1884,7 @@
               <a:defRPr/>
             </a:pPr>
             <a:r>
-              <a:rPr kumimoji="0" lang="fr-FR" sz="1600" b="0" i="0" u="none" strike="noStrike" kern="1200" cap="none" spc="0" normalizeH="0" baseline="0" noProof="0" dirty="0" smtClean="0">
+              <a:rPr kumimoji="0" lang="fr-FR" sz="1600" b="0" i="0" u="none" strike="noStrike" kern="1200" cap="none" spc="0" normalizeH="0" baseline="0" noProof="0" dirty="0">
                 <a:ln>
                   <a:noFill/>
                 </a:ln>
@@ -1938,20 +1900,6 @@
               </a:rPr>
               <a:t>Cinquième niveau</a:t>
             </a:r>
-            <a:endParaRPr kumimoji="0" lang="fr-FR" sz="1600" b="0" i="0" u="none" strike="noStrike" kern="1200" cap="none" spc="0" normalizeH="0" baseline="0" noProof="0" dirty="0">
-              <a:ln>
-                <a:noFill/>
-              </a:ln>
-              <a:solidFill>
-                <a:srgbClr val="000000"/>
-              </a:solidFill>
-              <a:effectLst/>
-              <a:uLnTx/>
-              <a:uFillTx/>
-              <a:latin typeface="+mn-lt"/>
-              <a:ea typeface="+mn-ea"/>
-              <a:cs typeface="+mn-cs"/>
-            </a:endParaRPr>
           </a:p>
         </p:txBody>
       </p:sp>
@@ -1988,7 +1936,7 @@
           <a:p>
             <a:fld id="{751463B9-2A29-154C-A5AC-383AEA094CA9}" type="datetime1">
               <a:rPr lang="fr-FR" smtClean="0"/>
-              <a:t>17/11/16</a:t>
+              <a:t>08/11/2018</a:t>
             </a:fld>
             <a:endParaRPr lang="fr-FR" dirty="0"/>
           </a:p>
@@ -2026,7 +1974,7 @@
           </a:lstStyle>
           <a:p>
             <a:r>
-              <a:rPr lang="fr-FR" smtClean="0"/>
+              <a:rPr lang="fr-FR"/>
               <a:t>Python pour la biologie</a:t>
             </a:r>
             <a:endParaRPr lang="fr-FR" dirty="0"/>
@@ -2067,7 +2015,7 @@
             <a:fld id="{DCE37727-CC04-7A46-938D-2CCFF056F773}" type="slidenum">
               <a:rPr lang="fr-FR" smtClean="0"/>
               <a:pPr/>
-              <a:t>‹#›</a:t>
+              <a:t>‹N°›</a:t>
             </a:fld>
             <a:endParaRPr lang="fr-FR" dirty="0"/>
           </a:p>
@@ -2139,13 +2087,6 @@
   <p:clrMapOvr>
     <a:masterClrMapping/>
   </p:clrMapOvr>
-  <p:timing>
-    <p:tnLst>
-      <p:par>
-        <p:cTn xmlns:p14="http://schemas.microsoft.com/office/powerpoint/2010/main" id="1" dur="indefinite" restart="never" nodeType="tmRoot"/>
-      </p:par>
-    </p:tnLst>
-  </p:timing>
 </p:sldLayout>
 </file>
 
@@ -2221,38 +2162,37 @@
           <a:p>
             <a:pPr lvl="0"/>
             <a:r>
-              <a:rPr lang="fr-FR" dirty="0" smtClean="0"/>
+              <a:rPr lang="fr-FR" dirty="0"/>
               <a:t>Cliquez pour modifier les styles du texte du masque</a:t>
             </a:r>
           </a:p>
           <a:p>
             <a:pPr lvl="1"/>
             <a:r>
-              <a:rPr lang="fr-FR" dirty="0" smtClean="0"/>
+              <a:rPr lang="fr-FR" dirty="0"/>
               <a:t>Deuxième niveau</a:t>
             </a:r>
           </a:p>
           <a:p>
             <a:pPr lvl="2"/>
             <a:r>
-              <a:rPr lang="fr-FR" dirty="0" smtClean="0"/>
+              <a:rPr lang="fr-FR" dirty="0"/>
               <a:t>Troisième niveau</a:t>
             </a:r>
           </a:p>
           <a:p>
             <a:pPr lvl="3"/>
             <a:r>
-              <a:rPr lang="fr-FR" dirty="0" smtClean="0"/>
+              <a:rPr lang="fr-FR" dirty="0"/>
               <a:t>Quatrième niveau</a:t>
             </a:r>
           </a:p>
           <a:p>
             <a:pPr lvl="4"/>
             <a:r>
-              <a:rPr lang="fr-FR" dirty="0" smtClean="0"/>
+              <a:rPr lang="fr-FR" dirty="0"/>
               <a:t>Cinquième niveau</a:t>
             </a:r>
-            <a:endParaRPr lang="fr-FR" dirty="0"/>
           </a:p>
         </p:txBody>
       </p:sp>
@@ -2311,38 +2251,37 @@
           <a:p>
             <a:pPr lvl="0"/>
             <a:r>
-              <a:rPr lang="fr-FR" dirty="0" smtClean="0"/>
+              <a:rPr lang="fr-FR" dirty="0"/>
               <a:t>Cliquez pour modifier les styles du texte du masque</a:t>
             </a:r>
           </a:p>
           <a:p>
             <a:pPr lvl="1"/>
             <a:r>
-              <a:rPr lang="fr-FR" dirty="0" smtClean="0"/>
+              <a:rPr lang="fr-FR" dirty="0"/>
               <a:t>Deuxième niveau</a:t>
             </a:r>
           </a:p>
           <a:p>
             <a:pPr lvl="2"/>
             <a:r>
-              <a:rPr lang="fr-FR" dirty="0" smtClean="0"/>
+              <a:rPr lang="fr-FR" dirty="0"/>
               <a:t>Troisième niveau</a:t>
             </a:r>
           </a:p>
           <a:p>
             <a:pPr lvl="3"/>
             <a:r>
-              <a:rPr lang="fr-FR" dirty="0" smtClean="0"/>
+              <a:rPr lang="fr-FR" dirty="0"/>
               <a:t>Quatrième niveau</a:t>
             </a:r>
           </a:p>
           <a:p>
             <a:pPr lvl="4"/>
             <a:r>
-              <a:rPr lang="fr-FR" dirty="0" smtClean="0"/>
+              <a:rPr lang="fr-FR" dirty="0"/>
               <a:t>Cinquième niveau</a:t>
             </a:r>
-            <a:endParaRPr lang="fr-FR" dirty="0"/>
           </a:p>
         </p:txBody>
       </p:sp>
@@ -2425,10 +2364,9 @@
           </a:lstStyle>
           <a:p>
             <a:r>
-              <a:rPr lang="fr-FR" dirty="0" smtClean="0"/>
+              <a:rPr lang="fr-FR" dirty="0"/>
               <a:t>Cliquez et modifiez le titre</a:t>
             </a:r>
-            <a:endParaRPr lang="fr-FR" dirty="0"/>
           </a:p>
         </p:txBody>
       </p:sp>
@@ -2489,7 +2427,7 @@
           <a:p>
             <a:fld id="{093F68C3-195D-9E4F-A0F2-F73993E4FFAC}" type="datetime1">
               <a:rPr lang="fr-FR" smtClean="0"/>
-              <a:t>17/11/16</a:t>
+              <a:t>08/11/2018</a:t>
             </a:fld>
             <a:endParaRPr lang="fr-FR" dirty="0"/>
           </a:p>
@@ -2527,7 +2465,7 @@
           </a:lstStyle>
           <a:p>
             <a:r>
-              <a:rPr lang="fr-FR" smtClean="0"/>
+              <a:rPr lang="fr-FR"/>
               <a:t>Python pour la biologie</a:t>
             </a:r>
             <a:endParaRPr lang="fr-FR" dirty="0"/>
@@ -2568,7 +2506,7 @@
             <a:fld id="{DCE37727-CC04-7A46-938D-2CCFF056F773}" type="slidenum">
               <a:rPr lang="fr-FR" smtClean="0"/>
               <a:pPr/>
-              <a:t>‹#›</a:t>
+              <a:t>‹N°›</a:t>
             </a:fld>
             <a:endParaRPr lang="fr-FR" dirty="0"/>
           </a:p>
@@ -2616,13 +2554,6 @@
   <p:clrMapOvr>
     <a:masterClrMapping/>
   </p:clrMapOvr>
-  <p:timing>
-    <p:tnLst>
-      <p:par>
-        <p:cTn xmlns:p14="http://schemas.microsoft.com/office/powerpoint/2010/main" id="1" dur="indefinite" restart="never" nodeType="tmRoot"/>
-      </p:par>
-    </p:tnLst>
-  </p:timing>
 </p:sldLayout>
 </file>
 
@@ -2710,18 +2641,13 @@
           <a:lstStyle/>
           <a:p>
             <a:r>
-              <a:rPr lang="fr-FR" sz="3200" dirty="0" smtClean="0">
+              <a:rPr lang="fr-FR" sz="3200" dirty="0">
                 <a:solidFill>
                   <a:srgbClr val="009DE0"/>
                 </a:solidFill>
               </a:rPr>
               <a:t>Chapitre 2</a:t>
             </a:r>
-            <a:endParaRPr lang="fr-FR" sz="3200" dirty="0">
-              <a:solidFill>
-                <a:srgbClr val="009DE0"/>
-              </a:solidFill>
-            </a:endParaRPr>
           </a:p>
         </p:txBody>
       </p:sp>
@@ -2817,13 +2743,6 @@
   <p:clrMapOvr>
     <a:masterClrMapping/>
   </p:clrMapOvr>
-  <p:timing>
-    <p:tnLst>
-      <p:par>
-        <p:cTn xmlns:p14="http://schemas.microsoft.com/office/powerpoint/2010/main" id="1" dur="indefinite" restart="never" nodeType="tmRoot"/>
-      </p:par>
-    </p:tnLst>
-  </p:timing>
 </p:sldLayout>
 </file>
 
@@ -3012,21 +2931,8 @@
                   <a:srgbClr val="FFFFFF"/>
                 </a:solidFill>
               </a:rPr>
-              <a:t>ditione dic tem hiciliciist, con rem aut volest, sedi doles erro te sa sam volum dolumqui aceprae eicipsa </a:t>
-            </a:r>
-            <a:r>
-              <a:rPr lang="fr-FR" baseline="30000" dirty="0" smtClean="0">
-                <a:solidFill>
-                  <a:srgbClr val="FFFFFF"/>
-                </a:solidFill>
-              </a:rPr>
-              <a:t>pelesequod</a:t>
-            </a:r>
-            <a:endParaRPr lang="fr-FR" baseline="30000" dirty="0">
-              <a:solidFill>
-                <a:srgbClr val="FFFFFF"/>
-              </a:solidFill>
-            </a:endParaRPr>
+              <a:t>ditione dic tem hiciliciist, con rem aut volest, sedi doles erro te sa sam volum dolumqui aceprae eicipsa pelesequod</a:t>
+            </a:r>
           </a:p>
         </p:txBody>
       </p:sp>
@@ -3227,18 +3133,13 @@
               <a:buNone/>
             </a:pPr>
             <a:r>
-              <a:rPr lang="fr-FR" sz="1200" b="1" dirty="0" smtClean="0">
+              <a:rPr lang="fr-FR" sz="1200" b="1" dirty="0">
                 <a:solidFill>
                   <a:schemeClr val="accent1"/>
                 </a:solidFill>
               </a:rPr>
               <a:t>titre</a:t>
             </a:r>
-            <a:endParaRPr lang="fr-FR" sz="1200" b="1" dirty="0">
-              <a:solidFill>
-                <a:schemeClr val="accent1"/>
-              </a:solidFill>
-            </a:endParaRPr>
           </a:p>
         </p:txBody>
       </p:sp>
@@ -3437,18 +3338,13 @@
               <a:buNone/>
             </a:pPr>
             <a:r>
-              <a:rPr lang="fr-FR" sz="1200" b="1" dirty="0" smtClean="0">
+              <a:rPr lang="fr-FR" sz="1200" b="1" dirty="0">
                 <a:solidFill>
                   <a:srgbClr val="FFFFFF"/>
                 </a:solidFill>
               </a:rPr>
               <a:t>titre</a:t>
             </a:r>
-            <a:endParaRPr lang="fr-FR" sz="1200" b="1" dirty="0">
-              <a:solidFill>
-                <a:srgbClr val="FFFFFF"/>
-              </a:solidFill>
-            </a:endParaRPr>
           </a:p>
         </p:txBody>
       </p:sp>
@@ -3486,19 +3382,14 @@
               <a:rPr lang="fr-FR" sz="3200" b="1" baseline="30000" dirty="0"/>
               <a:t>Itas eaquis et </a:t>
             </a:r>
-            <a:endParaRPr lang="fr-FR" sz="3200" b="1" baseline="30000" dirty="0" smtClean="0"/>
           </a:p>
           <a:p>
             <a:pPr>
               <a:buSzPct val="90000"/>
             </a:pPr>
             <a:r>
-              <a:rPr lang="fr-FR" sz="2400" b="1" baseline="30000" dirty="0" smtClean="0"/>
-              <a:t>excerferum </a:t>
-            </a:r>
-            <a:r>
               <a:rPr lang="fr-FR" sz="2400" b="1" baseline="30000" dirty="0"/>
-              <a:t>nuscien </a:t>
+              <a:t>excerferum nuscien </a:t>
             </a:r>
             <a:r>
               <a:rPr lang="fr-FR" sz="2400" baseline="30000" dirty="0"/>
@@ -3595,7 +3486,7 @@
               <a:t>, </a:t>
             </a:r>
             <a:r>
-              <a:rPr lang="fr-FR" sz="2400" baseline="30000" dirty="0" err="1" smtClean="0"/>
+              <a:rPr lang="fr-FR" sz="2400" baseline="30000" dirty="0" err="1"/>
               <a:t>iliquo</a:t>
             </a:r>
             <a:endParaRPr lang="fr-FR" sz="2400" baseline="30000" dirty="0"/>
@@ -3610,11 +3501,11 @@
               <a:buChar char="›"/>
             </a:pPr>
             <a:r>
-              <a:rPr lang="fr-FR" sz="2400" baseline="30000" dirty="0" err="1" smtClean="0"/>
+              <a:rPr lang="fr-FR" sz="2400" baseline="30000" dirty="0" err="1"/>
               <a:t>omnis</a:t>
             </a:r>
             <a:r>
-              <a:rPr lang="fr-FR" sz="2400" baseline="30000" dirty="0" smtClean="0"/>
+              <a:rPr lang="fr-FR" sz="2400" baseline="30000" dirty="0"/>
               <a:t> </a:t>
             </a:r>
             <a:r>
@@ -3698,71 +3589,71 @@
               <a:t> </a:t>
             </a:r>
             <a:r>
-              <a:rPr lang="fr-FR" sz="2400" baseline="30000" dirty="0" err="1" smtClean="0"/>
+              <a:rPr lang="fr-FR" sz="2400" baseline="30000" dirty="0" err="1"/>
               <a:t>iliciae</a:t>
             </a:r>
             <a:r>
-              <a:rPr lang="fr-FR" sz="2400" baseline="30000" dirty="0" smtClean="0"/>
+              <a:rPr lang="fr-FR" sz="2400" baseline="30000" dirty="0"/>
               <a:t> </a:t>
             </a:r>
             <a:r>
-              <a:rPr lang="fr-FR" sz="2400" baseline="30000" dirty="0" err="1" smtClean="0"/>
+              <a:rPr lang="fr-FR" sz="2400" baseline="30000" dirty="0" err="1"/>
               <a:t>cepernat</a:t>
             </a:r>
             <a:r>
-              <a:rPr lang="fr-FR" sz="2400" baseline="30000" dirty="0" smtClean="0"/>
+              <a:rPr lang="fr-FR" sz="2400" baseline="30000" dirty="0"/>
               <a:t> </a:t>
             </a:r>
             <a:r>
-              <a:rPr lang="fr-FR" sz="2400" baseline="30000" dirty="0" err="1" smtClean="0"/>
+              <a:rPr lang="fr-FR" sz="2400" baseline="30000" dirty="0" err="1"/>
               <a:t>fugitas</a:t>
             </a:r>
             <a:r>
-              <a:rPr lang="fr-FR" sz="2400" baseline="30000" dirty="0" smtClean="0"/>
+              <a:rPr lang="fr-FR" sz="2400" baseline="30000" dirty="0"/>
               <a:t> sa </a:t>
             </a:r>
             <a:r>
-              <a:rPr lang="fr-FR" sz="2400" baseline="30000" dirty="0" err="1" smtClean="0"/>
+              <a:rPr lang="fr-FR" sz="2400" baseline="30000" dirty="0" err="1"/>
               <a:t>conse</a:t>
             </a:r>
             <a:r>
-              <a:rPr lang="fr-FR" sz="2400" baseline="30000" dirty="0" smtClean="0"/>
+              <a:rPr lang="fr-FR" sz="2400" baseline="30000" dirty="0"/>
               <a:t> </a:t>
             </a:r>
             <a:r>
-              <a:rPr lang="fr-FR" sz="2400" baseline="30000" dirty="0" err="1" smtClean="0"/>
+              <a:rPr lang="fr-FR" sz="2400" baseline="30000" dirty="0" err="1"/>
               <a:t>molo</a:t>
             </a:r>
             <a:r>
-              <a:rPr lang="fr-FR" sz="2400" baseline="30000" dirty="0" smtClean="0"/>
+              <a:rPr lang="fr-FR" sz="2400" baseline="30000" dirty="0"/>
               <a:t> </a:t>
             </a:r>
             <a:r>
-              <a:rPr lang="fr-FR" sz="2400" baseline="30000" dirty="0" err="1" smtClean="0"/>
+              <a:rPr lang="fr-FR" sz="2400" baseline="30000" dirty="0" err="1"/>
               <a:t>modi</a:t>
             </a:r>
             <a:r>
-              <a:rPr lang="fr-FR" sz="2400" baseline="30000" dirty="0" smtClean="0"/>
+              <a:rPr lang="fr-FR" sz="2400" baseline="30000" dirty="0"/>
               <a:t> </a:t>
             </a:r>
             <a:r>
-              <a:rPr lang="fr-FR" sz="2400" baseline="30000" dirty="0" err="1" smtClean="0"/>
+              <a:rPr lang="fr-FR" sz="2400" baseline="30000" dirty="0" err="1"/>
               <a:t>berecti</a:t>
             </a:r>
             <a:r>
-              <a:rPr lang="fr-FR" sz="2400" baseline="30000" dirty="0" smtClean="0"/>
+              <a:rPr lang="fr-FR" sz="2400" baseline="30000" dirty="0"/>
               <a:t> tem </a:t>
             </a:r>
             <a:r>
-              <a:rPr lang="fr-FR" sz="2400" baseline="30000" dirty="0" err="1" smtClean="0"/>
+              <a:rPr lang="fr-FR" sz="2400" baseline="30000" dirty="0" err="1"/>
               <a:t>ius</a:t>
             </a:r>
             <a:r>
-              <a:rPr lang="fr-FR" sz="2400" baseline="30000" dirty="0" smtClean="0"/>
+              <a:rPr lang="fr-FR" sz="2400" baseline="30000" dirty="0"/>
               <a:t>, officie </a:t>
             </a:r>
             <a:r>
-              <a:rPr lang="fr-FR" sz="2400" baseline="30000" dirty="0" err="1" smtClean="0"/>
+              <a:rPr lang="fr-FR" sz="2400" baseline="30000" dirty="0" err="1"/>
               <a:t>ndiscipsam</a:t>
             </a:r>
             <a:endParaRPr lang="fr-FR" sz="2400" i="1" dirty="0"/>
@@ -3848,10 +3739,9 @@
           </a:lstStyle>
           <a:p>
             <a:r>
-              <a:rPr lang="fr-FR" dirty="0" smtClean="0"/>
+              <a:rPr lang="fr-FR" dirty="0"/>
               <a:t>Cliquez et modifiez le titre</a:t>
             </a:r>
-            <a:endParaRPr lang="fr-FR" dirty="0"/>
           </a:p>
         </p:txBody>
       </p:sp>
@@ -3912,7 +3802,7 @@
           <a:p>
             <a:fld id="{797E56E4-32A0-A24B-AE7B-5E5E4DFEC148}" type="datetime1">
               <a:rPr lang="fr-FR" smtClean="0"/>
-              <a:t>17/11/16</a:t>
+              <a:t>08/11/2018</a:t>
             </a:fld>
             <a:endParaRPr lang="fr-FR" dirty="0"/>
           </a:p>
@@ -3950,10 +3840,9 @@
           </a:lstStyle>
           <a:p>
             <a:r>
-              <a:rPr lang="fr-FR" smtClean="0"/>
+              <a:rPr lang="fr-FR"/>
               <a:t>Python pour la biologie</a:t>
             </a:r>
-            <a:endParaRPr lang="fr-FR"/>
           </a:p>
         </p:txBody>
       </p:sp>
@@ -3991,7 +3880,7 @@
             <a:fld id="{DCE37727-CC04-7A46-938D-2CCFF056F773}" type="slidenum">
               <a:rPr lang="fr-FR" smtClean="0"/>
               <a:pPr/>
-              <a:t>‹#›</a:t>
+              <a:t>‹N°›</a:t>
             </a:fld>
             <a:endParaRPr lang="fr-FR"/>
           </a:p>
@@ -4224,18 +4113,13 @@
               <a:buNone/>
             </a:pPr>
             <a:r>
-              <a:rPr lang="fr-FR" sz="1200" b="1" dirty="0" smtClean="0">
+              <a:rPr lang="fr-FR" sz="1200" b="1" dirty="0">
                 <a:solidFill>
                   <a:srgbClr val="FFFFFF"/>
                 </a:solidFill>
               </a:rPr>
               <a:t>titre</a:t>
             </a:r>
-            <a:endParaRPr lang="fr-FR" sz="1200" b="1" dirty="0">
-              <a:solidFill>
-                <a:srgbClr val="FFFFFF"/>
-              </a:solidFill>
-            </a:endParaRPr>
           </a:p>
         </p:txBody>
       </p:sp>
@@ -4249,13 +4133,6 @@
   <p:clrMapOvr>
     <a:masterClrMapping/>
   </p:clrMapOvr>
-  <p:timing>
-    <p:tnLst>
-      <p:par>
-        <p:cTn xmlns:p14="http://schemas.microsoft.com/office/powerpoint/2010/main" id="1" dur="indefinite" restart="never" nodeType="tmRoot"/>
-      </p:par>
-    </p:tnLst>
-  </p:timing>
 </p:sldLayout>
 </file>
 
@@ -4346,10 +4223,9 @@
               <a:tabLst/>
             </a:pPr>
             <a:r>
-              <a:rPr lang="fr-FR" sz="2800" b="1" i="0" baseline="30000" dirty="0" smtClean="0"/>
+              <a:rPr lang="fr-FR" sz="2800" b="1" i="0" baseline="30000" dirty="0"/>
               <a:t>excerferum nuscien</a:t>
             </a:r>
-            <a:endParaRPr lang="fr-FR" sz="2800" b="1" i="0" baseline="30000" dirty="0"/>
           </a:p>
           <a:p>
             <a:pPr marL="355600" indent="-355600" defTabSz="541338">
@@ -4365,14 +4241,9 @@
               <a:tabLst/>
             </a:pPr>
             <a:r>
-              <a:rPr lang="fr-FR" sz="2800" b="1" i="0" baseline="30000" dirty="0" smtClean="0"/>
-              <a:t>ditione </a:t>
-            </a:r>
-            <a:r>
               <a:rPr lang="fr-FR" sz="2800" b="1" i="0" baseline="30000" dirty="0"/>
-              <a:t>dic tem hiciliciist, con rem aut volest, sedi doles </a:t>
-            </a:r>
-            <a:endParaRPr lang="fr-FR" sz="2800" b="1" i="0" baseline="30000" dirty="0" smtClean="0"/>
+              <a:t>ditione dic tem hiciliciist, con rem aut volest, sedi doles </a:t>
+            </a:r>
           </a:p>
           <a:p>
             <a:pPr marL="355600" indent="-355600" defTabSz="541338">
@@ -4388,16 +4259,12 @@
               <a:tabLst/>
             </a:pPr>
             <a:r>
-              <a:rPr lang="fr-FR" sz="2800" b="1" i="0" baseline="30000" dirty="0" err="1" smtClean="0"/>
+              <a:rPr lang="fr-FR" sz="2800" b="1" i="0" baseline="30000" dirty="0" err="1"/>
               <a:t>erro</a:t>
             </a:r>
             <a:r>
-              <a:rPr lang="fr-FR" sz="2800" b="1" i="0" baseline="30000" dirty="0" smtClean="0"/>
-              <a:t> </a:t>
-            </a:r>
-            <a:r>
               <a:rPr lang="fr-FR" sz="2800" b="1" i="0" baseline="30000" dirty="0"/>
-              <a:t>te sa </a:t>
+              <a:t> te sa </a:t>
             </a:r>
             <a:r>
               <a:rPr lang="fr-FR" sz="2800" b="1" i="0" baseline="30000" dirty="0" err="1"/>
@@ -4432,10 +4299,10 @@
               <a:t> </a:t>
             </a:r>
             <a:r>
-              <a:rPr lang="fr-FR" sz="2800" b="1" i="0" baseline="30000" dirty="0" err="1" smtClean="0"/>
+              <a:rPr lang="fr-FR" sz="2800" b="1" i="0" baseline="30000" dirty="0" err="1"/>
               <a:t>eicipsa</a:t>
             </a:r>
-            <a:endParaRPr lang="fr-FR" sz="2800" b="1" i="0" baseline="30000" dirty="0" smtClean="0"/>
+            <a:endParaRPr lang="fr-FR" sz="2800" b="1" i="0" baseline="30000" dirty="0"/>
           </a:p>
           <a:p>
             <a:pPr marL="355600" indent="-355600" defTabSz="541338">
@@ -4451,19 +4318,15 @@
               <a:tabLst/>
             </a:pPr>
             <a:r>
-              <a:rPr lang="fr-FR" sz="2800" b="1" i="0" baseline="30000" dirty="0" err="1" smtClean="0"/>
+              <a:rPr lang="fr-FR" sz="2800" b="1" i="0" baseline="30000" dirty="0" err="1"/>
               <a:t>pelesequod</a:t>
             </a:r>
             <a:r>
-              <a:rPr lang="fr-FR" sz="2800" b="1" i="0" baseline="30000" dirty="0" smtClean="0"/>
-              <a:t> </a:t>
-            </a:r>
-            <a:r>
               <a:rPr lang="fr-FR" sz="2800" b="1" i="0" baseline="30000" dirty="0"/>
-              <a:t>que cum </a:t>
-            </a:r>
-            <a:r>
-              <a:rPr lang="fr-FR" sz="2800" b="1" i="0" baseline="30000" dirty="0" err="1" smtClean="0"/>
+              <a:t> que cum </a:t>
+            </a:r>
+            <a:r>
+              <a:rPr lang="fr-FR" sz="2800" b="1" i="0" baseline="30000" dirty="0" err="1"/>
               <a:t>hicieni</a:t>
             </a:r>
             <a:endParaRPr lang="fr-FR" sz="2800" b="1" i="0" dirty="0"/>
@@ -4665,7 +4528,7 @@
               <a:buNone/>
             </a:pPr>
             <a:r>
-              <a:rPr lang="fr-FR" sz="1800" b="1" smtClean="0">
+              <a:rPr lang="fr-FR" sz="1800" b="1">
                 <a:solidFill>
                   <a:srgbClr val="FFFFFF"/>
                 </a:solidFill>
@@ -4783,10 +4646,9 @@
           </a:lstStyle>
           <a:p>
             <a:r>
-              <a:rPr lang="fr-FR" dirty="0" smtClean="0"/>
+              <a:rPr lang="fr-FR" dirty="0"/>
               <a:t>Cliquez et modifiez le titre</a:t>
             </a:r>
-            <a:endParaRPr lang="fr-FR" dirty="0"/>
           </a:p>
         </p:txBody>
       </p:sp>
@@ -4823,7 +4685,7 @@
           <a:p>
             <a:fld id="{DE9A3856-CABC-754C-812C-14B8D30E1B18}" type="datetime1">
               <a:rPr lang="fr-FR" smtClean="0"/>
-              <a:t>17/11/16</a:t>
+              <a:t>08/11/2018</a:t>
             </a:fld>
             <a:endParaRPr lang="fr-FR" dirty="0"/>
           </a:p>
@@ -4861,10 +4723,9 @@
           </a:lstStyle>
           <a:p>
             <a:r>
-              <a:rPr lang="fr-FR" smtClean="0"/>
+              <a:rPr lang="fr-FR"/>
               <a:t>Python pour la biologie</a:t>
             </a:r>
-            <a:endParaRPr lang="fr-FR"/>
           </a:p>
         </p:txBody>
       </p:sp>
@@ -4902,7 +4763,7 @@
             <a:fld id="{DCE37727-CC04-7A46-938D-2CCFF056F773}" type="slidenum">
               <a:rPr lang="fr-FR" smtClean="0"/>
               <a:pPr/>
-              <a:t>‹#›</a:t>
+              <a:t>‹N°›</a:t>
             </a:fld>
             <a:endParaRPr lang="fr-FR"/>
           </a:p>
@@ -4950,13 +4811,6 @@
   <p:clrMapOvr>
     <a:masterClrMapping/>
   </p:clrMapOvr>
-  <p:timing>
-    <p:tnLst>
-      <p:par>
-        <p:cTn xmlns:p14="http://schemas.microsoft.com/office/powerpoint/2010/main" id="1" dur="indefinite" restart="never" nodeType="tmRoot"/>
-      </p:par>
-    </p:tnLst>
-  </p:timing>
 </p:sldLayout>
 </file>
 
@@ -5008,10 +4862,9 @@
           <a:lstStyle/>
           <a:p>
             <a:r>
-              <a:rPr lang="fr-FR" smtClean="0"/>
+              <a:rPr lang="fr-FR"/>
               <a:t>Cliquez et modifiez le titre</a:t>
             </a:r>
-            <a:endParaRPr lang="fr-FR"/>
           </a:p>
         </p:txBody>
       </p:sp>
@@ -5062,13 +4915,6 @@
     <p:sldLayoutId id="2147483655" r:id="rId6"/>
     <p:sldLayoutId id="2147483656" r:id="rId7"/>
   </p:sldLayoutIdLst>
-  <p:timing>
-    <p:tnLst>
-      <p:par>
-        <p:cTn xmlns:p14="http://schemas.microsoft.com/office/powerpoint/2010/main" id="1" dur="indefinite" restart="never" nodeType="tmRoot"/>
-      </p:par>
-    </p:tnLst>
-  </p:timing>
   <p:hf hdr="0"/>
   <p:txStyles>
     <p:titleStyle>
@@ -5365,16 +5211,9 @@
   <p:clrMapOvr>
     <a:masterClrMapping/>
   </p:clrMapOvr>
-  <p:transition xmlns:p14="http://schemas.microsoft.com/office/powerpoint/2010/main" spd="slow">
+  <p:transition spd="slow">
     <p:wipe/>
   </p:transition>
-  <p:timing>
-    <p:tnLst>
-      <p:par>
-        <p:cTn xmlns:p14="http://schemas.microsoft.com/office/powerpoint/2010/main" id="1" dur="indefinite" restart="never" nodeType="tmRoot"/>
-      </p:par>
-    </p:tnLst>
-  </p:timing>
 </p:sld>
 </file>
 
@@ -5435,52 +5274,8 @@
           <a:lstStyle/>
           <a:p>
             <a:r>
-              <a:rPr lang="en-US" dirty="0" smtClean="0"/>
-              <a:t>In </a:t>
-            </a:r>
-            <a:r>
               <a:rPr lang="en-US" dirty="0"/>
-              <a:t>general, `organism' is used for the </a:t>
-            </a:r>
-            <a:r>
-              <a:rPr lang="en-US" dirty="0" smtClean="0"/>
-              <a:t>scientific </a:t>
-            </a:r>
-            <a:r>
-              <a:rPr lang="en-US" dirty="0"/>
-              <a:t>name (in Latin, </a:t>
-            </a:r>
-            <a:r>
-              <a:rPr lang="en-US" dirty="0" smtClean="0"/>
-              <a:t>e.g. Arabidopsis thaliana)</a:t>
-            </a:r>
-            <a:r>
-              <a:rPr lang="en-US" dirty="0"/>
-              <a:t>, while `</a:t>
-            </a:r>
-            <a:r>
-              <a:rPr lang="en-US" dirty="0" smtClean="0"/>
-              <a:t>source’</a:t>
-            </a:r>
-            <a:r>
-              <a:rPr lang="en-US" dirty="0"/>
-              <a:t> </a:t>
-            </a:r>
-            <a:r>
-              <a:rPr lang="en-US" dirty="0" smtClean="0"/>
-              <a:t>will </a:t>
-            </a:r>
-            <a:r>
-              <a:rPr lang="en-US" dirty="0"/>
-              <a:t>often be the common </a:t>
-            </a:r>
-            <a:r>
-              <a:rPr lang="en-US" dirty="0" smtClean="0"/>
-              <a:t>name (</a:t>
-            </a:r>
-            <a:r>
-              <a:rPr lang="en-US" dirty="0"/>
-              <a:t>e.g. </a:t>
+              <a:t>In general, `organism' is used for the scientific name (in Latin, e.g. Arabidopsis thaliana), while `source’ will often be the common name (e.g. </a:t>
             </a:r>
             <a:r>
               <a:rPr lang="en-US" dirty="0" err="1"/>
@@ -5513,7 +5308,7 @@
           <a:p>
             <a:fld id="{601363C9-4338-7443-BE61-F4B71B9923D9}" type="datetime1">
               <a:rPr lang="fr-FR" smtClean="0"/>
-              <a:t>17/11/16</a:t>
+              <a:t>08/11/2018</a:t>
             </a:fld>
             <a:endParaRPr lang="fr-FR" dirty="0"/>
           </a:p>
@@ -5535,7 +5330,7 @@
           <a:lstStyle/>
           <a:p>
             <a:r>
-              <a:rPr lang="fr-FR" smtClean="0"/>
+              <a:rPr lang="fr-FR"/>
               <a:t>Python pour la biologie</a:t>
             </a:r>
             <a:endParaRPr lang="fr-FR" dirty="0"/>
@@ -5804,7 +5599,7 @@
               <a:t>all_species</a:t>
             </a:r>
             <a:r>
-              <a:rPr lang="en-US" sz="1200" dirty="0" smtClean="0"/>
+              <a:rPr lang="en-US" sz="1200" dirty="0"/>
               <a:t>)</a:t>
             </a:r>
           </a:p>
@@ -5848,12 +5643,8 @@
           </a:lstStyle>
           <a:p>
             <a:r>
-              <a:rPr lang="pt-BR" sz="1200" dirty="0" smtClean="0"/>
-              <a:t>[</a:t>
-            </a:r>
-            <a:r>
               <a:rPr lang="pt-BR" sz="1200" dirty="0"/>
-              <a:t>'</a:t>
+              <a:t>['</a:t>
             </a:r>
             <a:r>
               <a:rPr lang="pt-BR" sz="1200" dirty="0" err="1"/>
@@ -5954,11 +5745,7 @@
           <a:p>
             <a:r>
               <a:rPr lang="en-US" dirty="0"/>
-              <a:t>Filtering a sequence </a:t>
-            </a:r>
-            <a:r>
-              <a:rPr lang="en-US" dirty="0" smtClean="0"/>
-              <a:t>file</a:t>
+              <a:t>Filtering a sequence file</a:t>
             </a:r>
             <a:endParaRPr lang="fr-FR" dirty="0"/>
           </a:p>
@@ -5986,31 +5773,7 @@
           <a:p>
             <a:r>
               <a:rPr lang="en-US" dirty="0"/>
-              <a:t>large </a:t>
-            </a:r>
-            <a:r>
-              <a:rPr lang="en-US" dirty="0" smtClean="0"/>
-              <a:t>file </a:t>
-            </a:r>
-            <a:r>
-              <a:rPr lang="en-US" dirty="0"/>
-              <a:t>with many sequences in </a:t>
-            </a:r>
-            <a:r>
-              <a:rPr lang="en-US" dirty="0" smtClean="0"/>
-              <a:t>it (</a:t>
-            </a:r>
-            <a:r>
-              <a:rPr lang="en-US" dirty="0"/>
-              <a:t>e.g. FASTA le or genes, or a FASTQ or SFF </a:t>
-            </a:r>
-            <a:r>
-              <a:rPr lang="en-US" dirty="0" smtClean="0"/>
-              <a:t>file of </a:t>
-            </a:r>
-            <a:r>
-              <a:rPr lang="en-US" dirty="0"/>
-              <a:t>reads)</a:t>
+              <a:t>large file with many sequences in it (e.g. FASTA le or genes, or a FASTQ or SFF file of reads)</a:t>
             </a:r>
           </a:p>
           <a:p>
@@ -6035,7 +5798,7 @@
           <a:p>
             <a:fld id="{751463B9-2A29-154C-A5AC-383AEA094CA9}" type="datetime1">
               <a:rPr lang="fr-FR" smtClean="0"/>
-              <a:t>17/11/16</a:t>
+              <a:t>08/11/2018</a:t>
             </a:fld>
             <a:endParaRPr lang="fr-FR" dirty="0"/>
           </a:p>
@@ -6057,7 +5820,7 @@
           <a:lstStyle/>
           <a:p>
             <a:r>
-              <a:rPr lang="fr-FR" smtClean="0"/>
+              <a:rPr lang="fr-FR"/>
               <a:t>Python pour la biologie</a:t>
             </a:r>
             <a:endParaRPr lang="fr-FR" dirty="0"/>
@@ -6595,76 +6358,19 @@
           <a:p>
             <a:r>
               <a:rPr lang="en-US" dirty="0"/>
-              <a:t>Let's say the list of IDs is in a simple text </a:t>
-            </a:r>
-            <a:r>
-              <a:rPr lang="en-US" dirty="0" smtClean="0"/>
-              <a:t>file</a:t>
-            </a:r>
+              <a:t>Let's say the list of IDs is in a simple text file, as the first word on each line. </a:t>
+            </a:r>
+          </a:p>
+          <a:p>
             <a:r>
               <a:rPr lang="en-US" dirty="0"/>
-              <a:t>, as the </a:t>
-            </a:r>
-            <a:r>
-              <a:rPr lang="en-US" dirty="0" smtClean="0"/>
-              <a:t>first </a:t>
-            </a:r>
+              <a:t>This could be a tabular file where the first column is the ID</a:t>
+            </a:r>
+          </a:p>
+          <a:p>
             <a:r>
               <a:rPr lang="en-US" dirty="0"/>
-              <a:t>word on each line. </a:t>
-            </a:r>
-            <a:endParaRPr lang="en-US" dirty="0" smtClean="0"/>
-          </a:p>
-          <a:p>
-            <a:r>
-              <a:rPr lang="en-US" dirty="0" smtClean="0"/>
-              <a:t>This </a:t>
-            </a:r>
-            <a:r>
-              <a:rPr lang="en-US" dirty="0"/>
-              <a:t>could be a </a:t>
-            </a:r>
-            <a:r>
-              <a:rPr lang="en-US" dirty="0" smtClean="0"/>
-              <a:t>tabular file where </a:t>
-            </a:r>
-            <a:r>
-              <a:rPr lang="en-US" dirty="0"/>
-              <a:t>the </a:t>
-            </a:r>
-            <a:r>
-              <a:rPr lang="en-US" dirty="0" smtClean="0"/>
-              <a:t>first </a:t>
-            </a:r>
-            <a:r>
-              <a:rPr lang="en-US" dirty="0"/>
-              <a:t>column is the </a:t>
-            </a:r>
-            <a:r>
-              <a:rPr lang="en-US" dirty="0" smtClean="0"/>
-              <a:t>ID</a:t>
-            </a:r>
-          </a:p>
-          <a:p>
-            <a:r>
-              <a:rPr lang="en-US" dirty="0"/>
-              <a:t>Note that we use a </a:t>
-            </a:r>
-            <a:r>
-              <a:rPr lang="en-US" dirty="0" smtClean="0"/>
-              <a:t>Python set rather </a:t>
-            </a:r>
-            <a:r>
-              <a:rPr lang="en-US" dirty="0"/>
-              <a:t>than </a:t>
-            </a:r>
-            <a:r>
-              <a:rPr lang="en-US" dirty="0" smtClean="0"/>
-              <a:t>a list, </a:t>
-            </a:r>
-            <a:r>
-              <a:rPr lang="en-US" dirty="0"/>
-              <a:t>this makes testing membership faster</a:t>
+              <a:t>Note that we use a Python set rather than a list, this makes testing membership faster</a:t>
             </a:r>
           </a:p>
           <a:p>
@@ -6758,15 +6464,7 @@
           <a:p>
             <a:r>
               <a:rPr lang="en-US" dirty="0"/>
-              <a:t>S</a:t>
-            </a:r>
-            <a:r>
-              <a:rPr lang="en-US" dirty="0" smtClean="0"/>
-              <a:t>ame </a:t>
-            </a:r>
-            <a:r>
-              <a:rPr lang="en-US" dirty="0"/>
-              <a:t>search on </a:t>
+              <a:t>Same search on </a:t>
             </a:r>
             <a:r>
               <a:rPr lang="en-US" dirty="0" err="1"/>
@@ -6774,37 +6472,13 @@
             </a:r>
             <a:r>
               <a:rPr lang="en-US" dirty="0"/>
-              <a:t> versions of the same genome for </a:t>
-            </a:r>
-            <a:r>
-              <a:rPr lang="en-US" dirty="0" smtClean="0"/>
-              <a:t>statistical analysis</a:t>
+              <a:t> versions of the same genome for statistical analysis</a:t>
             </a:r>
           </a:p>
           <a:p>
             <a:r>
               <a:rPr lang="en-US" dirty="0"/>
-              <a:t>get it from </a:t>
-            </a:r>
-            <a:r>
-              <a:rPr lang="en-US" dirty="0" smtClean="0"/>
-              <a:t>our website, NC</a:t>
-            </a:r>
-            <a:r>
-              <a:rPr lang="en-US" dirty="0"/>
-              <a:t>_</a:t>
-            </a:r>
-            <a:r>
-              <a:rPr lang="en-US" dirty="0" smtClean="0"/>
-              <a:t>005816</a:t>
-            </a:r>
-            <a:r>
-              <a:rPr lang="en-US" dirty="0"/>
-              <a:t>.</a:t>
-            </a:r>
-            <a:r>
-              <a:rPr lang="en-US" dirty="0" smtClean="0"/>
-              <a:t>gb</a:t>
+              <a:t>get it from our website, NC_005816.gb</a:t>
             </a:r>
           </a:p>
           <a:p>
@@ -6857,7 +6531,7 @@
           <a:p>
             <a:fld id="{751463B9-2A29-154C-A5AC-383AEA094CA9}" type="datetime1">
               <a:rPr lang="fr-FR" smtClean="0"/>
-              <a:t>17/11/16</a:t>
+              <a:t>08/11/2018</a:t>
             </a:fld>
             <a:endParaRPr lang="fr-FR" dirty="0"/>
           </a:p>
@@ -6879,7 +6553,7 @@
           <a:lstStyle/>
           <a:p>
             <a:r>
-              <a:rPr lang="fr-FR" smtClean="0"/>
+              <a:rPr lang="fr-FR"/>
               <a:t>Python pour la biologie</a:t>
             </a:r>
             <a:endParaRPr lang="fr-FR" dirty="0"/>
@@ -7376,60 +7050,24 @@
           </a:lstStyle>
           <a:p>
             <a:r>
-              <a:rPr lang="en-US" dirty="0" smtClean="0"/>
-              <a:t>Construct </a:t>
-            </a:r>
-            <a:r>
               <a:rPr lang="en-US" dirty="0"/>
-              <a:t>a </a:t>
-            </a:r>
-            <a:r>
-              <a:rPr lang="en-US" dirty="0" smtClean="0"/>
-              <a:t>new </a:t>
-            </a:r>
-            <a:r>
-              <a:rPr lang="en-US" dirty="0" err="1" smtClean="0"/>
+              <a:t>Construct a new </a:t>
+            </a:r>
+            <a:r>
+              <a:rPr lang="en-US" dirty="0" err="1"/>
               <a:t>SeqRecord</a:t>
             </a:r>
             <a:r>
               <a:rPr lang="en-US" dirty="0"/>
-              <a:t> </a:t>
-            </a:r>
-            <a:r>
-              <a:rPr lang="en-US" dirty="0" smtClean="0"/>
-              <a:t>with </a:t>
+              <a:t> with a new </a:t>
+            </a:r>
+            <a:r>
+              <a:rPr lang="en-US" dirty="0" err="1"/>
+              <a:t>Seq</a:t>
             </a:r>
             <a:r>
               <a:rPr lang="en-US" dirty="0"/>
-              <a:t>a </a:t>
-            </a:r>
-            <a:r>
-              <a:rPr lang="en-US" dirty="0" smtClean="0"/>
-              <a:t>new </a:t>
-            </a:r>
-            <a:r>
-              <a:rPr lang="en-US" dirty="0" err="1" smtClean="0"/>
-              <a:t>Seq</a:t>
-            </a:r>
-            <a:r>
-              <a:rPr lang="en-US" dirty="0"/>
-              <a:t> </a:t>
-            </a:r>
-            <a:r>
-              <a:rPr lang="en-US" dirty="0" smtClean="0"/>
-              <a:t>object </a:t>
-            </a:r>
-            <a:r>
-              <a:rPr lang="en-US" dirty="0"/>
-              <a:t>using this </a:t>
-            </a:r>
-            <a:r>
-              <a:rPr lang="en-US" dirty="0" smtClean="0"/>
-              <a:t>shuffled </a:t>
-            </a:r>
-            <a:r>
-              <a:rPr lang="en-US" dirty="0"/>
-              <a:t>list. </a:t>
+              <a:t> object using this shuffled list. </a:t>
             </a:r>
           </a:p>
           <a:p>
@@ -7646,35 +7284,11 @@
           </a:lstStyle>
           <a:p>
             <a:r>
-              <a:rPr lang="en-US" dirty="0" smtClean="0"/>
-              <a:t>Python</a:t>
-            </a:r>
-            <a:r>
               <a:rPr lang="en-US" dirty="0"/>
-              <a:t> </a:t>
-            </a:r>
-            <a:r>
-              <a:rPr lang="en-US" dirty="0" smtClean="0"/>
-              <a:t>random</a:t>
-            </a:r>
-            <a:r>
-              <a:rPr lang="en-US" dirty="0"/>
-              <a:t> </a:t>
-            </a:r>
-            <a:r>
-              <a:rPr lang="en-US" dirty="0" smtClean="0"/>
-              <a:t>module, </a:t>
-            </a:r>
-            <a:r>
-              <a:rPr lang="en-US" dirty="0"/>
-              <a:t>in particular the </a:t>
-            </a:r>
-            <a:r>
-              <a:rPr lang="en-US" dirty="0" smtClean="0"/>
-              <a:t>function </a:t>
-            </a:r>
-            <a:r>
-              <a:rPr lang="en-US" dirty="0" err="1" smtClean="0"/>
+              <a:t>Python random module, in particular the function </a:t>
+            </a:r>
+            <a:r>
+              <a:rPr lang="en-US" dirty="0" err="1"/>
               <a:t>random.shuffle</a:t>
             </a:r>
             <a:endParaRPr lang="en-US" dirty="0"/>
@@ -7730,18 +7344,9 @@
           <a:lstStyle/>
           <a:p>
             <a:r>
-              <a:rPr lang="fr-FR" dirty="0" smtClean="0"/>
-              <a:t>Complete </a:t>
-            </a:r>
-            <a:r>
               <a:rPr lang="fr-FR" dirty="0"/>
-              <a:t>script (version 1</a:t>
-            </a:r>
-            <a:r>
-              <a:rPr lang="fr-FR" dirty="0" smtClean="0"/>
-              <a:t>)</a:t>
-            </a:r>
-            <a:endParaRPr lang="fr-FR" dirty="0"/>
+              <a:t>Complete script (version 1)</a:t>
+            </a:r>
           </a:p>
         </p:txBody>
       </p:sp>
@@ -7786,7 +7391,7 @@
           <a:p>
             <a:fld id="{751463B9-2A29-154C-A5AC-383AEA094CA9}" type="datetime1">
               <a:rPr lang="fr-FR" smtClean="0"/>
-              <a:t>17/11/16</a:t>
+              <a:t>08/11/2018</a:t>
             </a:fld>
             <a:endParaRPr lang="fr-FR" dirty="0"/>
           </a:p>
@@ -7808,7 +7413,7 @@
           <a:lstStyle/>
           <a:p>
             <a:r>
-              <a:rPr lang="fr-FR" smtClean="0"/>
+              <a:rPr lang="fr-FR"/>
               <a:t>Python pour la biologie</a:t>
             </a:r>
             <a:endParaRPr lang="fr-FR" dirty="0"/>
@@ -8166,10 +7771,9 @@
           <a:lstStyle/>
           <a:p>
             <a:r>
-              <a:rPr lang="fr-FR" dirty="0" smtClean="0"/>
+              <a:rPr lang="fr-FR" dirty="0"/>
               <a:t>Complete script (version 2)</a:t>
             </a:r>
-            <a:endParaRPr lang="fr-FR" dirty="0"/>
           </a:p>
         </p:txBody>
       </p:sp>
@@ -8214,7 +7818,7 @@
           <a:p>
             <a:fld id="{751463B9-2A29-154C-A5AC-383AEA094CA9}" type="datetime1">
               <a:rPr lang="fr-FR" smtClean="0"/>
-              <a:t>17/11/16</a:t>
+              <a:t>08/11/2018</a:t>
             </a:fld>
             <a:endParaRPr lang="fr-FR" dirty="0"/>
           </a:p>
@@ -8236,7 +7840,7 @@
           <a:lstStyle/>
           <a:p>
             <a:r>
-              <a:rPr lang="fr-FR" smtClean="0"/>
+              <a:rPr lang="fr-FR"/>
               <a:t>Python pour la biologie</a:t>
             </a:r>
             <a:endParaRPr lang="fr-FR" dirty="0"/>
@@ -8645,15 +8249,7 @@
           <a:p>
             <a:r>
               <a:rPr lang="en-US" dirty="0"/>
-              <a:t>Translating a FASTA </a:t>
-            </a:r>
-            <a:r>
-              <a:rPr lang="en-US" dirty="0" smtClean="0"/>
-              <a:t>file </a:t>
-            </a:r>
-            <a:r>
-              <a:rPr lang="en-US" dirty="0"/>
-              <a:t>of CDS entries</a:t>
+              <a:t>Translating a FASTA file of CDS entries</a:t>
             </a:r>
             <a:endParaRPr lang="fr-FR" dirty="0"/>
           </a:p>
@@ -8676,7 +8272,7 @@
           <a:p>
             <a:fld id="{751463B9-2A29-154C-A5AC-383AEA094CA9}" type="datetime1">
               <a:rPr lang="fr-FR" smtClean="0"/>
-              <a:t>17/11/16</a:t>
+              <a:t>08/11/2018</a:t>
             </a:fld>
             <a:endParaRPr lang="fr-FR" dirty="0"/>
           </a:p>
@@ -8698,7 +8294,7 @@
           <a:lstStyle/>
           <a:p>
             <a:r>
-              <a:rPr lang="fr-FR" smtClean="0"/>
+              <a:rPr lang="fr-FR"/>
               <a:t>Python pour la biologie</a:t>
             </a:r>
             <a:endParaRPr lang="fr-FR" dirty="0"/>
@@ -9053,89 +8649,73 @@
           </a:lstStyle>
           <a:p>
             <a:r>
-              <a:rPr lang="en-US" sz="1200" dirty="0" smtClean="0"/>
-              <a:t>&gt;</a:t>
-            </a:r>
-            <a:r>
-              <a:rPr lang="en-US" sz="1200" dirty="0"/>
-              <a:t>&gt;&gt;</a:t>
-            </a:r>
-            <a:r>
-              <a:rPr lang="en-US" sz="1200" dirty="0" err="1" smtClean="0"/>
+              <a:rPr lang="en-US" sz="1200" dirty="0"/>
+              <a:t>&gt;&gt;&gt;</a:t>
+            </a:r>
+            <a:r>
+              <a:rPr lang="en-US" sz="1200" dirty="0" err="1"/>
               <a:t>first_record</a:t>
             </a:r>
             <a:r>
-              <a:rPr lang="en-US" sz="1200" dirty="0" smtClean="0"/>
+              <a:rPr lang="en-US" sz="1200" dirty="0"/>
               <a:t> = records[0] #remember, Python counts from zero</a:t>
             </a:r>
           </a:p>
           <a:p>
             <a:r>
               <a:rPr lang="en-US" sz="1200" dirty="0"/>
-              <a:t>&gt;&gt;&gt;</a:t>
-            </a:r>
-            <a:r>
-              <a:rPr lang="en-US" sz="1200" dirty="0" smtClean="0"/>
-              <a:t>print(</a:t>
-            </a:r>
-            <a:r>
-              <a:rPr lang="en-US" sz="1200" dirty="0" err="1" smtClean="0"/>
+              <a:t>&gt;&gt;&gt;print(</a:t>
+            </a:r>
+            <a:r>
+              <a:rPr lang="en-US" sz="1200" dirty="0" err="1"/>
               <a:t>first_record.id</a:t>
             </a:r>
             <a:r>
-              <a:rPr lang="en-US" sz="1200" dirty="0" smtClean="0"/>
+              <a:rPr lang="en-US" sz="1200" dirty="0"/>
               <a:t>)</a:t>
             </a:r>
           </a:p>
           <a:p>
             <a:r>
               <a:rPr lang="en-US" sz="1200" dirty="0"/>
-              <a:t>&gt;&gt;&gt;</a:t>
-            </a:r>
-            <a:r>
-              <a:rPr lang="en-US" sz="1200" dirty="0" smtClean="0"/>
-              <a:t>print(</a:t>
-            </a:r>
-            <a:r>
-              <a:rPr lang="en-US" sz="1200" dirty="0" err="1" smtClean="0"/>
+              <a:t>&gt;&gt;&gt;print(</a:t>
+            </a:r>
+            <a:r>
+              <a:rPr lang="en-US" sz="1200" dirty="0" err="1"/>
               <a:t>repr</a:t>
             </a:r>
             <a:r>
-              <a:rPr lang="en-US" sz="1200" dirty="0" smtClean="0"/>
+              <a:rPr lang="en-US" sz="1200" dirty="0"/>
               <a:t>(</a:t>
             </a:r>
             <a:r>
-              <a:rPr lang="en-US" sz="1200" dirty="0" err="1" smtClean="0"/>
+              <a:rPr lang="en-US" sz="1200" dirty="0" err="1"/>
               <a:t>first_record.seq</a:t>
             </a:r>
             <a:r>
-              <a:rPr lang="en-US" sz="1200" dirty="0" smtClean="0"/>
+              <a:rPr lang="en-US" sz="1200" dirty="0"/>
               <a:t>))</a:t>
             </a:r>
           </a:p>
           <a:p>
             <a:r>
               <a:rPr lang="en-US" sz="1200" dirty="0"/>
-              <a:t>&gt;&gt;&gt;</a:t>
-            </a:r>
-            <a:r>
-              <a:rPr lang="en-US" sz="1200" dirty="0" smtClean="0"/>
-              <a:t>print(</a:t>
-            </a:r>
-            <a:r>
-              <a:rPr lang="en-US" sz="1200" dirty="0" err="1" smtClean="0"/>
+              <a:t>&gt;&gt;&gt;print(</a:t>
+            </a:r>
+            <a:r>
+              <a:rPr lang="en-US" sz="1200" dirty="0" err="1"/>
               <a:t>len</a:t>
             </a:r>
             <a:r>
-              <a:rPr lang="en-US" sz="1200" dirty="0" smtClean="0"/>
+              <a:rPr lang="en-US" sz="1200" dirty="0"/>
               <a:t>(</a:t>
             </a:r>
             <a:r>
-              <a:rPr lang="en-US" sz="1200" dirty="0" err="1" smtClean="0"/>
+              <a:rPr lang="en-US" sz="1200" dirty="0" err="1"/>
               <a:t>first_record</a:t>
             </a:r>
             <a:r>
-              <a:rPr lang="en-US" sz="1200" dirty="0" smtClean="0"/>
+              <a:rPr lang="en-US" sz="1200" dirty="0"/>
               <a:t>)) </a:t>
             </a:r>
           </a:p>
@@ -9179,18 +8759,13 @@
           </a:lstStyle>
           <a:p>
             <a:r>
-              <a:rPr lang="en-US" sz="1200" dirty="0" smtClean="0">
+              <a:rPr lang="en-US" sz="1200" dirty="0">
                 <a:solidFill>
                   <a:srgbClr val="CE4215"/>
                 </a:solidFill>
               </a:rPr>
               <a:t>Z78439.1</a:t>
             </a:r>
-            <a:endParaRPr lang="en-US" sz="1200" dirty="0">
-              <a:solidFill>
-                <a:srgbClr val="CE4215"/>
-              </a:solidFill>
-            </a:endParaRPr>
           </a:p>
           <a:p>
             <a:r>
@@ -9228,18 +8803,13 @@
           </a:p>
           <a:p>
             <a:r>
-              <a:rPr lang="en-US" sz="1200" dirty="0" smtClean="0">
+              <a:rPr lang="en-US" sz="1200" dirty="0">
                 <a:solidFill>
                   <a:srgbClr val="CE4215"/>
                 </a:solidFill>
               </a:rPr>
               <a:t>592</a:t>
             </a:r>
-            <a:endParaRPr lang="en-US" sz="1200" dirty="0">
-              <a:solidFill>
-                <a:srgbClr val="CE4215"/>
-              </a:solidFill>
-            </a:endParaRPr>
           </a:p>
         </p:txBody>
       </p:sp>
@@ -9290,19 +8860,7 @@
           <a:p>
             <a:r>
               <a:rPr lang="en-US" dirty="0"/>
-              <a:t>Simple quality </a:t>
-            </a:r>
-            <a:r>
-              <a:rPr lang="en-US" dirty="0" smtClean="0"/>
-              <a:t>filtering </a:t>
-            </a:r>
-            <a:r>
-              <a:rPr lang="en-US" dirty="0"/>
-              <a:t>for FASTQ </a:t>
-            </a:r>
-            <a:r>
-              <a:rPr lang="en-US" dirty="0" smtClean="0"/>
-              <a:t>files</a:t>
+              <a:t>Simple quality filtering for FASTQ files</a:t>
             </a:r>
             <a:endParaRPr lang="fr-FR" dirty="0"/>
           </a:p>
@@ -9344,7 +8902,7 @@
           <a:p>
             <a:fld id="{751463B9-2A29-154C-A5AC-383AEA094CA9}" type="datetime1">
               <a:rPr lang="fr-FR" smtClean="0"/>
-              <a:t>17/11/16</a:t>
+              <a:t>08/11/2018</a:t>
             </a:fld>
             <a:endParaRPr lang="fr-FR" dirty="0"/>
           </a:p>
@@ -9366,7 +8924,7 @@
           <a:lstStyle/>
           <a:p>
             <a:r>
-              <a:rPr lang="fr-FR" smtClean="0"/>
+              <a:rPr lang="fr-FR"/>
               <a:t>Python pour la biologie</a:t>
             </a:r>
             <a:endParaRPr lang="fr-FR" dirty="0"/>
@@ -9444,15 +9002,7 @@
           <a:p>
             <a:r>
               <a:rPr lang="en-US" dirty="0"/>
-              <a:t>Trimming </a:t>
-            </a:r>
-            <a:r>
-              <a:rPr lang="en-US" dirty="0" smtClean="0"/>
-              <a:t>of </a:t>
-            </a:r>
-            <a:r>
-              <a:rPr lang="en-US" dirty="0"/>
-              <a:t>primer sequences</a:t>
+              <a:t>Trimming of primer sequences</a:t>
             </a:r>
             <a:endParaRPr lang="fr-FR" dirty="0"/>
           </a:p>
@@ -9494,7 +9044,7 @@
           <a:p>
             <a:fld id="{751463B9-2A29-154C-A5AC-383AEA094CA9}" type="datetime1">
               <a:rPr lang="fr-FR" smtClean="0"/>
-              <a:t>17/11/16</a:t>
+              <a:t>08/11/2018</a:t>
             </a:fld>
             <a:endParaRPr lang="fr-FR" dirty="0"/>
           </a:p>
@@ -9516,7 +9066,7 @@
           <a:lstStyle/>
           <a:p>
             <a:r>
-              <a:rPr lang="fr-FR" smtClean="0"/>
+              <a:rPr lang="fr-FR"/>
               <a:t>Python pour la biologie</a:t>
             </a:r>
             <a:endParaRPr lang="fr-FR" dirty="0"/>
@@ -9594,15 +9144,7 @@
           <a:p>
             <a:r>
               <a:rPr lang="en-US" dirty="0"/>
-              <a:t>Trimming </a:t>
-            </a:r>
-            <a:r>
-              <a:rPr lang="en-US" dirty="0" smtClean="0"/>
-              <a:t>off </a:t>
-            </a:r>
-            <a:r>
-              <a:rPr lang="en-US" dirty="0"/>
-              <a:t>adaptor sequences</a:t>
+              <a:t>Trimming off adaptor sequences</a:t>
             </a:r>
             <a:endParaRPr lang="fr-FR" dirty="0"/>
           </a:p>
@@ -9644,7 +9186,7 @@
           <a:p>
             <a:fld id="{751463B9-2A29-154C-A5AC-383AEA094CA9}" type="datetime1">
               <a:rPr lang="fr-FR" smtClean="0"/>
-              <a:t>17/11/16</a:t>
+              <a:t>08/11/2018</a:t>
             </a:fld>
             <a:endParaRPr lang="fr-FR" dirty="0"/>
           </a:p>
@@ -9666,7 +9208,7 @@
           <a:lstStyle/>
           <a:p>
             <a:r>
-              <a:rPr lang="fr-FR" smtClean="0"/>
+              <a:rPr lang="fr-FR"/>
               <a:t>Python pour la biologie</a:t>
             </a:r>
             <a:endParaRPr lang="fr-FR" dirty="0"/>
@@ -9744,11 +9286,7 @@
           <a:p>
             <a:r>
               <a:rPr lang="en-US" dirty="0"/>
-              <a:t>Converting FASTQ </a:t>
-            </a:r>
-            <a:r>
-              <a:rPr lang="en-US" dirty="0" smtClean="0"/>
-              <a:t>files</a:t>
+              <a:t>Converting FASTQ files</a:t>
             </a:r>
             <a:endParaRPr lang="fr-FR" dirty="0"/>
           </a:p>
@@ -9790,7 +9328,7 @@
           <a:p>
             <a:fld id="{751463B9-2A29-154C-A5AC-383AEA094CA9}" type="datetime1">
               <a:rPr lang="fr-FR" smtClean="0"/>
-              <a:t>17/11/16</a:t>
+              <a:t>08/11/2018</a:t>
             </a:fld>
             <a:endParaRPr lang="fr-FR" dirty="0"/>
           </a:p>
@@ -9812,7 +9350,7 @@
           <a:lstStyle/>
           <a:p>
             <a:r>
-              <a:rPr lang="fr-FR" smtClean="0"/>
+              <a:rPr lang="fr-FR"/>
               <a:t>Python pour la biologie</a:t>
             </a:r>
             <a:endParaRPr lang="fr-FR" dirty="0"/>
@@ -9895,7 +9433,7 @@
           <a:p>
             <a:pPr algn="ctr"/>
             <a:r>
-              <a:rPr lang="fr-FR" dirty="0" err="1" smtClean="0"/>
+              <a:rPr lang="fr-FR" dirty="0" err="1"/>
               <a:t>Biopython</a:t>
             </a:r>
             <a:endParaRPr lang="fr-FR" dirty="0"/>
@@ -9924,44 +9462,32 @@
           </a:bodyPr>
           <a:lstStyle/>
           <a:p>
-            <a:r>
-              <a:rPr lang="fr-FR" dirty="0" smtClean="0"/>
-              <a:t/>
-            </a:r>
-            <a:br>
-              <a:rPr lang="fr-FR" dirty="0" smtClean="0"/>
-            </a:br>
-            <a:r>
-              <a:rPr lang="fr-FR" dirty="0"/>
-              <a:t/>
-            </a:r>
             <a:br>
               <a:rPr lang="fr-FR" dirty="0"/>
             </a:br>
-            <a:r>
-              <a:rPr lang="fr-FR" dirty="0" smtClean="0">
+            <a:br>
+              <a:rPr lang="fr-FR" dirty="0"/>
+            </a:br>
+            <a:r>
+              <a:rPr lang="fr-FR" dirty="0">
                 <a:solidFill>
                   <a:schemeClr val="tx1"/>
                 </a:solidFill>
               </a:rPr>
               <a:t>Formation CNRS</a:t>
             </a:r>
-            <a:r>
-              <a:rPr lang="fr-FR" dirty="0" smtClean="0"/>
-              <a:t/>
-            </a:r>
             <a:br>
-              <a:rPr lang="fr-FR" dirty="0" smtClean="0"/>
+              <a:rPr lang="fr-FR"/>
             </a:br>
             <a:r>
-              <a:rPr lang="fr-FR" dirty="0" smtClean="0"/>
-              <a:t>18 Novembre 2016</a:t>
+              <a:rPr lang="fr-FR"/>
+              <a:t>8 Novembre 2018</a:t>
             </a:r>
             <a:br>
-              <a:rPr lang="fr-FR" dirty="0" smtClean="0"/>
+              <a:rPr lang="fr-FR" dirty="0"/>
             </a:br>
             <a:r>
-              <a:rPr lang="en-US" b="1" dirty="0" smtClean="0">
+              <a:rPr lang="en-US" b="1" dirty="0">
                 <a:solidFill>
                   <a:schemeClr val="tx1"/>
                 </a:solidFill>
@@ -9969,24 +9495,16 @@
               <a:t>Python pour la </a:t>
             </a:r>
             <a:r>
-              <a:rPr lang="en-US" b="1" dirty="0" err="1" smtClean="0">
+              <a:rPr lang="en-US" b="1" dirty="0" err="1">
                 <a:solidFill>
                   <a:schemeClr val="tx1"/>
                 </a:solidFill>
               </a:rPr>
               <a:t>biologie</a:t>
-            </a:r>
-            <a:r>
-              <a:rPr lang="en-US" b="1" dirty="0"/>
-              <a:t/>
             </a:r>
             <a:br>
               <a:rPr lang="en-US" b="1" dirty="0"/>
             </a:br>
-            <a:r>
-              <a:rPr lang="fr-FR" dirty="0"/>
-              <a:t/>
-            </a:r>
             <a:br>
               <a:rPr lang="fr-FR" dirty="0"/>
             </a:br>
@@ -10064,16 +9582,9 @@
   <p:clrMapOvr>
     <a:masterClrMapping/>
   </p:clrMapOvr>
-  <p:transition xmlns:p14="http://schemas.microsoft.com/office/powerpoint/2010/main" spd="slow">
+  <p:transition spd="slow">
     <p:wipe/>
   </p:transition>
-  <p:timing>
-    <p:tnLst>
-      <p:par>
-        <p:cTn xmlns:p14="http://schemas.microsoft.com/office/powerpoint/2010/main" id="1" dur="indefinite" restart="never" nodeType="tmRoot"/>
-      </p:par>
-    </p:tnLst>
-  </p:timing>
 </p:sld>
 </file>
 
@@ -10111,19 +9622,7 @@
           <a:p>
             <a:r>
               <a:rPr lang="en-US" dirty="0"/>
-              <a:t>Converting FASTA and QUAL </a:t>
-            </a:r>
-            <a:r>
-              <a:rPr lang="en-US" dirty="0" smtClean="0"/>
-              <a:t>files </a:t>
-            </a:r>
-            <a:r>
-              <a:rPr lang="en-US" dirty="0"/>
-              <a:t>into FASTQ </a:t>
-            </a:r>
-            <a:r>
-              <a:rPr lang="en-US" dirty="0" smtClean="0"/>
-              <a:t>files</a:t>
+              <a:t>Converting FASTA and QUAL files into FASTQ files</a:t>
             </a:r>
             <a:endParaRPr lang="fr-FR" dirty="0"/>
           </a:p>
@@ -10165,7 +9664,7 @@
           <a:p>
             <a:fld id="{751463B9-2A29-154C-A5AC-383AEA094CA9}" type="datetime1">
               <a:rPr lang="fr-FR" smtClean="0"/>
-              <a:t>17/11/16</a:t>
+              <a:t>08/11/2018</a:t>
             </a:fld>
             <a:endParaRPr lang="fr-FR" dirty="0"/>
           </a:p>
@@ -10187,7 +9686,7 @@
           <a:lstStyle/>
           <a:p>
             <a:r>
-              <a:rPr lang="fr-FR" smtClean="0"/>
+              <a:rPr lang="fr-FR"/>
               <a:t>Python pour la biologie</a:t>
             </a:r>
             <a:endParaRPr lang="fr-FR" dirty="0"/>
@@ -10264,23 +9763,23 @@
           <a:lstStyle/>
           <a:p>
             <a:r>
-              <a:rPr lang="fr-FR" dirty="0" err="1" smtClean="0"/>
+              <a:rPr lang="fr-FR" dirty="0" err="1"/>
               <a:t>Parsing</a:t>
             </a:r>
             <a:r>
-              <a:rPr lang="fr-FR" dirty="0" smtClean="0"/>
+              <a:rPr lang="fr-FR" dirty="0"/>
               <a:t> </a:t>
             </a:r>
             <a:r>
-              <a:rPr lang="fr-FR" dirty="0" err="1" smtClean="0"/>
+              <a:rPr lang="fr-FR" dirty="0" err="1"/>
               <a:t>sequences</a:t>
             </a:r>
             <a:r>
-              <a:rPr lang="fr-FR" dirty="0" smtClean="0"/>
+              <a:rPr lang="fr-FR" dirty="0"/>
               <a:t> file formats : L’objet </a:t>
             </a:r>
             <a:r>
-              <a:rPr lang="fr-FR" dirty="0" err="1" smtClean="0"/>
+              <a:rPr lang="fr-FR" dirty="0" err="1"/>
               <a:t>SeqRecord</a:t>
             </a:r>
             <a:endParaRPr lang="fr-FR" dirty="0"/>
@@ -10304,121 +9803,55 @@
           <a:p>
             <a:r>
               <a:rPr lang="en-US" dirty="0"/>
-              <a:t>B</a:t>
-            </a:r>
-            <a:r>
-              <a:rPr lang="en-US" dirty="0" smtClean="0"/>
-              <a:t>ioinformatics </a:t>
-            </a:r>
+              <a:t>Bioinformatics work involves dealing with the many types of file formats designed to hold biological data. </a:t>
+            </a:r>
+          </a:p>
+          <a:p>
+            <a:endParaRPr lang="en-US" dirty="0"/>
+          </a:p>
+          <a:p>
             <a:r>
               <a:rPr lang="en-US" dirty="0"/>
-              <a:t>work involves dealing with the many types of </a:t>
-            </a:r>
-            <a:r>
-              <a:rPr lang="en-US" dirty="0" smtClean="0"/>
-              <a:t>file </a:t>
-            </a:r>
+              <a:t>These files are loaded with interesting biological data, and a special challenge is parsing these files into a format so that you can manipulate them with some kind of programming language. </a:t>
+            </a:r>
+          </a:p>
+          <a:p>
+            <a:endParaRPr lang="en-US" dirty="0"/>
+          </a:p>
+          <a:p>
             <a:r>
               <a:rPr lang="en-US" dirty="0"/>
-              <a:t>formats designed </a:t>
-            </a:r>
-            <a:r>
-              <a:rPr lang="en-US" dirty="0" smtClean="0"/>
-              <a:t>to hold </a:t>
-            </a:r>
+              <a:t>However, the task of parsing these files can be frustrated by the fact that the formats can change quite regularly, and that formats may contain small subtleties which can break even the most well designed parsers.</a:t>
+            </a:r>
+          </a:p>
+          <a:p>
             <a:r>
               <a:rPr lang="en-US" dirty="0"/>
-              <a:t>biological data. </a:t>
-            </a:r>
-            <a:endParaRPr lang="en-US" dirty="0" smtClean="0"/>
-          </a:p>
-          <a:p>
-            <a:endParaRPr lang="en-US" dirty="0" smtClean="0"/>
-          </a:p>
-          <a:p>
-            <a:r>
-              <a:rPr lang="en-US" dirty="0" smtClean="0"/>
-              <a:t>These files </a:t>
-            </a:r>
-            <a:r>
-              <a:rPr lang="en-US" dirty="0"/>
-              <a:t>are loaded with interesting biological data, and a special challenge is </a:t>
-            </a:r>
-            <a:r>
-              <a:rPr lang="en-US" dirty="0" smtClean="0"/>
-              <a:t>parsing these files </a:t>
-            </a:r>
-            <a:r>
-              <a:rPr lang="en-US" dirty="0"/>
-              <a:t>into a format so that you can manipulate them with some kind of programming language. </a:t>
-            </a:r>
-            <a:endParaRPr lang="en-US" dirty="0" smtClean="0"/>
-          </a:p>
-          <a:p>
-            <a:endParaRPr lang="en-US" dirty="0" smtClean="0"/>
-          </a:p>
-          <a:p>
-            <a:r>
-              <a:rPr lang="en-US" dirty="0" smtClean="0"/>
-              <a:t>However, the </a:t>
-            </a:r>
-            <a:r>
-              <a:rPr lang="en-US" dirty="0"/>
-              <a:t>task of parsing these </a:t>
-            </a:r>
-            <a:r>
-              <a:rPr lang="en-US" dirty="0" smtClean="0"/>
-              <a:t>files </a:t>
-            </a:r>
-            <a:r>
-              <a:rPr lang="en-US" dirty="0"/>
-              <a:t>can be frustrated by the fact that the formats can change quite regularly, </a:t>
-            </a:r>
-            <a:r>
-              <a:rPr lang="en-US" dirty="0" smtClean="0"/>
-              <a:t>and that </a:t>
-            </a:r>
-            <a:r>
-              <a:rPr lang="en-US" dirty="0"/>
-              <a:t>formats may contain small subtleties which can break even the most well designed parsers</a:t>
-            </a:r>
-            <a:r>
-              <a:rPr lang="en-US" dirty="0" smtClean="0"/>
-              <a:t>.</a:t>
-            </a:r>
-          </a:p>
-          <a:p>
-            <a:r>
-              <a:rPr lang="en-US" dirty="0" smtClean="0"/>
               <a:t>Remember to load module </a:t>
-            </a:r>
-            <a:r>
-              <a:rPr lang="en-US" dirty="0" err="1" smtClean="0"/>
-              <a:t>SeqIO</a:t>
-            </a:r>
-            <a:r>
-              <a:rPr lang="en-US" dirty="0" smtClean="0"/>
-              <a:t> using </a:t>
-            </a:r>
-          </a:p>
-          <a:p>
-            <a:pPr lvl="1"/>
-            <a:r>
-              <a:rPr lang="en-US" dirty="0" smtClean="0"/>
-              <a:t>from </a:t>
-            </a:r>
-            <a:r>
-              <a:rPr lang="en-US" dirty="0"/>
-              <a:t>Bio import </a:t>
             </a:r>
             <a:r>
               <a:rPr lang="en-US" dirty="0" err="1"/>
               <a:t>SeqIO</a:t>
             </a:r>
+            <a:r>
+              <a:rPr lang="en-US" dirty="0"/>
+              <a:t> using </a:t>
+            </a:r>
+          </a:p>
+          <a:p>
+            <a:pPr lvl="1"/>
+            <a:r>
+              <a:rPr lang="en-US" dirty="0"/>
+              <a:t>from Bio import </a:t>
+            </a:r>
+            <a:r>
+              <a:rPr lang="en-US" dirty="0" err="1"/>
+              <a:t>SeqIO</a:t>
+            </a:r>
             <a:endParaRPr lang="en-US" dirty="0"/>
           </a:p>
           <a:p>
-            <a:endParaRPr lang="en-US" dirty="0" smtClean="0"/>
+            <a:endParaRPr lang="en-US" dirty="0"/>
           </a:p>
           <a:p>
             <a:endParaRPr lang="en-US" dirty="0"/>
@@ -10442,7 +9875,7 @@
           <a:p>
             <a:fld id="{90659545-D80F-6940-8935-5444DDD11EC2}" type="datetime1">
               <a:rPr lang="fr-FR" smtClean="0"/>
-              <a:t>17/11/16</a:t>
+              <a:t>08/11/2018</a:t>
             </a:fld>
             <a:endParaRPr lang="fr-FR" dirty="0"/>
           </a:p>
@@ -10464,7 +9897,7 @@
           <a:lstStyle/>
           <a:p>
             <a:r>
-              <a:rPr lang="fr-FR" smtClean="0"/>
+              <a:rPr lang="fr-FR"/>
               <a:t>Python pour la biologie</a:t>
             </a:r>
             <a:endParaRPr lang="fr-FR" dirty="0"/>
@@ -10570,31 +10003,15 @@
           <a:p>
             <a:r>
               <a:rPr lang="en-US" dirty="0"/>
-              <a:t>If you open the lady slipper orchids FASTA </a:t>
-            </a:r>
-            <a:r>
-              <a:rPr lang="en-US" dirty="0" smtClean="0"/>
-              <a:t>file </a:t>
-            </a:r>
-            <a:r>
-              <a:rPr lang="en-US" dirty="0" err="1" smtClean="0"/>
+              <a:t>If you open the lady slipper orchids FASTA file </a:t>
+            </a:r>
+            <a:r>
+              <a:rPr lang="en-US" dirty="0" err="1"/>
               <a:t>ls_orchid.fasta</a:t>
             </a:r>
             <a:r>
-              <a:rPr lang="en-US" dirty="0" smtClean="0"/>
-              <a:t> (</a:t>
-            </a:r>
-            <a:r>
               <a:rPr lang="en-US" dirty="0"/>
-              <a:t>94 </a:t>
-            </a:r>
-            <a:r>
-              <a:rPr lang="en-US" dirty="0" smtClean="0"/>
-              <a:t>records) in </a:t>
-            </a:r>
-            <a:r>
-              <a:rPr lang="en-US" dirty="0"/>
-              <a:t>your </a:t>
+              <a:t> (94 records) in your </a:t>
             </a:r>
             <a:r>
               <a:rPr lang="en-US" dirty="0" err="1"/>
@@ -10602,15 +10019,7 @@
             </a:r>
             <a:r>
               <a:rPr lang="en-US" dirty="0"/>
-              <a:t> text editor, you'll </a:t>
-            </a:r>
-            <a:r>
-              <a:rPr lang="en-US" dirty="0" smtClean="0"/>
-              <a:t>see that </a:t>
-            </a:r>
-            <a:r>
-              <a:rPr lang="en-US" dirty="0"/>
-              <a:t>the le starts like this:</a:t>
+              <a:t> text editor, you'll see that the le starts like this:</a:t>
             </a:r>
           </a:p>
           <a:p>
@@ -10635,7 +10044,7 @@
           <a:p>
             <a:fld id="{A18E86D2-2400-D240-81D5-6CBAAA5AF849}" type="datetime1">
               <a:rPr lang="fr-FR" smtClean="0"/>
-              <a:t>17/11/16</a:t>
+              <a:t>08/11/2018</a:t>
             </a:fld>
             <a:endParaRPr lang="fr-FR" dirty="0"/>
           </a:p>
@@ -10657,7 +10066,7 @@
           <a:lstStyle/>
           <a:p>
             <a:r>
-              <a:rPr lang="fr-FR" smtClean="0"/>
+              <a:rPr lang="fr-FR"/>
               <a:t>Python pour la biologie</a:t>
             </a:r>
             <a:endParaRPr lang="fr-FR" dirty="0"/>
@@ -10742,10 +10151,9 @@
           </a:p>
           <a:p>
             <a:r>
-              <a:rPr lang="en-US" sz="1400" dirty="0" smtClean="0"/>
+              <a:rPr lang="en-US" sz="1400" dirty="0"/>
               <a:t>CGTAACAAGGTTTCCGTAGGTGAACCTGCGGAAGGATCATTGATGAGACCGTGGAATAAACGATCGAGTGAATCCGGAGGACCGGTGTACTCAGCTCACCGGGGGCATTGCTCCCGTGGTGACCCTGATTTGTTGTTGGG</a:t>
             </a:r>
-            <a:endParaRPr lang="en-US" sz="1400" dirty="0"/>
           </a:p>
         </p:txBody>
       </p:sp>
@@ -10787,25 +10195,18 @@
           </a:lstStyle>
           <a:p>
             <a:r>
-              <a:rPr lang="fr-FR" sz="1200" dirty="0" smtClean="0">
+              <a:rPr lang="fr-FR" sz="1200" dirty="0">
                 <a:latin typeface="(Corps)"/>
                 <a:cs typeface="(Corps)"/>
               </a:rPr>
               <a:t>&gt;&gt;&gt;</a:t>
             </a:r>
             <a:r>
-              <a:rPr lang="en-US" sz="1200" dirty="0" smtClean="0">
-                <a:latin typeface="(Corps)"/>
-                <a:cs typeface="(Corps)"/>
-              </a:rPr>
-              <a:t>from </a:t>
-            </a:r>
-            <a:r>
               <a:rPr lang="en-US" sz="1200" dirty="0">
                 <a:latin typeface="(Corps)"/>
                 <a:cs typeface="(Corps)"/>
               </a:rPr>
-              <a:t>Bio import </a:t>
+              <a:t>from Bio import </a:t>
             </a:r>
             <a:r>
               <a:rPr lang="en-US" sz="1200" dirty="0" err="1">
@@ -10821,14 +10222,14 @@
           </a:p>
           <a:p>
             <a:r>
-              <a:rPr lang="fr-FR" sz="1200" dirty="0" smtClean="0">
+              <a:rPr lang="fr-FR" sz="1200" dirty="0">
                 <a:latin typeface="(Corps)"/>
                 <a:cs typeface="(Corps)"/>
               </a:rPr>
               <a:t>&gt;&gt;&gt;</a:t>
             </a:r>
             <a:r>
-              <a:rPr lang="en-US" sz="1200" dirty="0" smtClean="0">
+              <a:rPr lang="en-US" sz="1200" dirty="0">
                 <a:latin typeface="(Corps)"/>
                 <a:cs typeface="(Corps)"/>
               </a:rPr>
@@ -10893,11 +10294,41 @@
           </a:p>
           <a:p>
             <a:r>
-              <a:rPr lang="en-US" sz="1200" dirty="0" smtClean="0">
+              <a:rPr lang="en-US" sz="1200" dirty="0">
                 <a:latin typeface="(Corps)"/>
                 <a:cs typeface="(Corps)"/>
               </a:rPr>
-              <a:t>	print</a:t>
+              <a:t>	print(</a:t>
+            </a:r>
+            <a:r>
+              <a:rPr lang="en-US" sz="1200" dirty="0" err="1">
+                <a:latin typeface="(Corps)"/>
+                <a:cs typeface="(Corps)"/>
+              </a:rPr>
+              <a:t>seq_record.id</a:t>
+            </a:r>
+            <a:r>
+              <a:rPr lang="en-US" sz="1200" dirty="0">
+                <a:latin typeface="(Corps)"/>
+                <a:cs typeface="(Corps)"/>
+              </a:rPr>
+              <a:t>)</a:t>
+            </a:r>
+          </a:p>
+          <a:p>
+            <a:r>
+              <a:rPr lang="en-US" sz="1200" dirty="0">
+                <a:latin typeface="(Corps)"/>
+                <a:cs typeface="(Corps)"/>
+              </a:rPr>
+              <a:t>	print(</a:t>
+            </a:r>
+            <a:r>
+              <a:rPr lang="en-US" sz="1200" dirty="0" err="1">
+                <a:latin typeface="(Corps)"/>
+                <a:cs typeface="(Corps)"/>
+              </a:rPr>
+              <a:t>repr</a:t>
             </a:r>
             <a:r>
               <a:rPr lang="en-US" sz="1200" dirty="0">
@@ -10911,23 +10342,30 @@
                 <a:latin typeface="(Corps)"/>
                 <a:cs typeface="(Corps)"/>
               </a:rPr>
-              <a:t>seq_record.id</a:t>
-            </a:r>
-            <a:r>
-              <a:rPr lang="en-US" sz="1200" dirty="0" smtClean="0">
+              <a:t>seq_record.seq</a:t>
+            </a:r>
+            <a:r>
+              <a:rPr lang="en-US" sz="1200" dirty="0">
                 <a:latin typeface="(Corps)"/>
                 <a:cs typeface="(Corps)"/>
               </a:rPr>
-              <a:t>)</a:t>
-            </a:r>
-          </a:p>
-          <a:p>
-            <a:r>
-              <a:rPr lang="en-US" sz="1200" dirty="0" smtClean="0">
+              <a:t>))</a:t>
+            </a:r>
+          </a:p>
+          <a:p>
+            <a:r>
+              <a:rPr lang="en-US" sz="1200" dirty="0">
                 <a:latin typeface="(Corps)"/>
                 <a:cs typeface="(Corps)"/>
               </a:rPr>
-              <a:t>	print</a:t>
+              <a:t>	print(</a:t>
+            </a:r>
+            <a:r>
+              <a:rPr lang="en-US" sz="1200" dirty="0" err="1">
+                <a:latin typeface="(Corps)"/>
+                <a:cs typeface="(Corps)"/>
+              </a:rPr>
+              <a:t>len</a:t>
             </a:r>
             <a:r>
               <a:rPr lang="en-US" sz="1200" dirty="0">
@@ -10941,86 +10379,14 @@
                 <a:latin typeface="(Corps)"/>
                 <a:cs typeface="(Corps)"/>
               </a:rPr>
-              <a:t>repr</a:t>
+              <a:t>seq_record</a:t>
             </a:r>
             <a:r>
               <a:rPr lang="en-US" sz="1200" dirty="0">
                 <a:latin typeface="(Corps)"/>
                 <a:cs typeface="(Corps)"/>
               </a:rPr>
-              <a:t>(</a:t>
-            </a:r>
-            <a:r>
-              <a:rPr lang="en-US" sz="1200" dirty="0" err="1">
-                <a:latin typeface="(Corps)"/>
-                <a:cs typeface="(Corps)"/>
-              </a:rPr>
-              <a:t>seq_record.seq</a:t>
-            </a:r>
-            <a:r>
-              <a:rPr lang="en-US" sz="1200" dirty="0">
-                <a:latin typeface="(Corps)"/>
-                <a:cs typeface="(Corps)"/>
-              </a:rPr>
-              <a:t>)</a:t>
-            </a:r>
-            <a:r>
-              <a:rPr lang="en-US" sz="1200" dirty="0" smtClean="0">
-                <a:latin typeface="(Corps)"/>
-                <a:cs typeface="(Corps)"/>
-              </a:rPr>
-              <a:t>)</a:t>
-            </a:r>
-          </a:p>
-          <a:p>
-            <a:r>
-              <a:rPr lang="en-US" sz="1200" dirty="0" smtClean="0">
-                <a:latin typeface="(Corps)"/>
-                <a:cs typeface="(Corps)"/>
-              </a:rPr>
-              <a:t>	print</a:t>
-            </a:r>
-            <a:r>
-              <a:rPr lang="en-US" sz="1200" dirty="0">
-                <a:latin typeface="(Corps)"/>
-                <a:cs typeface="(Corps)"/>
-              </a:rPr>
-              <a:t>(</a:t>
-            </a:r>
-            <a:r>
-              <a:rPr lang="en-US" sz="1200" dirty="0" err="1">
-                <a:latin typeface="(Corps)"/>
-                <a:cs typeface="(Corps)"/>
-              </a:rPr>
-              <a:t>len</a:t>
-            </a:r>
-            <a:r>
-              <a:rPr lang="en-US" sz="1200" dirty="0">
-                <a:latin typeface="(Corps)"/>
-                <a:cs typeface="(Corps)"/>
-              </a:rPr>
-              <a:t>(</a:t>
-            </a:r>
-            <a:r>
-              <a:rPr lang="en-US" sz="1200" dirty="0" err="1">
-                <a:latin typeface="(Corps)"/>
-                <a:cs typeface="(Corps)"/>
-              </a:rPr>
-              <a:t>seq_record</a:t>
-            </a:r>
-            <a:r>
-              <a:rPr lang="en-US" sz="1200" dirty="0">
-                <a:latin typeface="(Corps)"/>
-                <a:cs typeface="(Corps)"/>
-              </a:rPr>
-              <a:t>)</a:t>
-            </a:r>
-            <a:r>
-              <a:rPr lang="en-US" sz="1200" dirty="0" smtClean="0">
-                <a:latin typeface="(Corps)"/>
-                <a:cs typeface="(Corps)"/>
-              </a:rPr>
-              <a:t>)</a:t>
+              <a:t>))</a:t>
             </a:r>
           </a:p>
         </p:txBody>
@@ -11063,28 +10429,12 @@
           </a:lstStyle>
           <a:p>
             <a:r>
-              <a:rPr lang="en-US" sz="1200" dirty="0" smtClean="0">
+              <a:rPr lang="en-US" sz="1200" dirty="0">
                 <a:solidFill>
                   <a:srgbClr val="CE4215"/>
                 </a:solidFill>
               </a:rPr>
-              <a:t>gi</a:t>
-            </a:r>
-            <a:r>
-              <a:rPr lang="en-US" sz="1200" dirty="0">
-                <a:solidFill>
-                  <a:srgbClr val="CE4215"/>
-                </a:solidFill>
-              </a:rPr>
-              <a:t>|2765658|emb|Z78533.1|</a:t>
-            </a:r>
-            <a:r>
-              <a:rPr lang="en-US" sz="1200" dirty="0" smtClean="0">
-                <a:solidFill>
-                  <a:srgbClr val="CE4215"/>
-                </a:solidFill>
-              </a:rPr>
-              <a:t>CIZ78533</a:t>
+              <a:t>gi|2765658|emb|Z78533.1|CIZ78533</a:t>
             </a:r>
           </a:p>
           <a:p>
@@ -11118,15 +10468,43 @@
                   <a:srgbClr val="CE4215"/>
                 </a:solidFill>
               </a:rPr>
-              <a:t>()</a:t>
-            </a:r>
-            <a:r>
-              <a:rPr lang="en-US" sz="1200" dirty="0" smtClean="0">
+              <a:t>())</a:t>
+            </a:r>
+          </a:p>
+          <a:p>
+            <a:r>
+              <a:rPr lang="en-US" sz="1200" dirty="0">
                 <a:solidFill>
                   <a:srgbClr val="CE4215"/>
                 </a:solidFill>
               </a:rPr>
-              <a:t>)</a:t>
+              <a:t>740</a:t>
+            </a:r>
+          </a:p>
+          <a:p>
+            <a:r>
+              <a:rPr lang="fr-FR" sz="1200" dirty="0">
+                <a:solidFill>
+                  <a:srgbClr val="CE4215"/>
+                </a:solidFill>
+              </a:rPr>
+              <a:t>[</a:t>
+            </a:r>
+            <a:r>
+              <a:rPr lang="mr-IN" sz="1200" dirty="0">
+                <a:solidFill>
+                  <a:srgbClr val="CE4215"/>
+                </a:solidFill>
+              </a:rPr>
+              <a:t>…</a:t>
+            </a:r>
+            <a:r>
+              <a:rPr lang="fr-FR" sz="1200" dirty="0">
+                <a:solidFill>
+                  <a:srgbClr val="CE4215"/>
+                </a:solidFill>
+              </a:rPr>
+              <a:t>]</a:t>
             </a:r>
             <a:endParaRPr lang="en-US" sz="1200" dirty="0">
               <a:solidFill>
@@ -11136,47 +10514,6 @@
           </a:p>
           <a:p>
             <a:r>
-              <a:rPr lang="en-US" sz="1200" dirty="0" smtClean="0">
-                <a:solidFill>
-                  <a:srgbClr val="CE4215"/>
-                </a:solidFill>
-              </a:rPr>
-              <a:t>740</a:t>
-            </a:r>
-          </a:p>
-          <a:p>
-            <a:r>
-              <a:rPr lang="fr-FR" sz="1200" dirty="0" smtClean="0">
-                <a:solidFill>
-                  <a:srgbClr val="CE4215"/>
-                </a:solidFill>
-              </a:rPr>
-              <a:t>[</a:t>
-            </a:r>
-            <a:r>
-              <a:rPr lang="mr-IN" sz="1200" dirty="0" smtClean="0">
-                <a:solidFill>
-                  <a:srgbClr val="CE4215"/>
-                </a:solidFill>
-              </a:rPr>
-              <a:t>…</a:t>
-            </a:r>
-            <a:r>
-              <a:rPr lang="fr-FR" sz="1200" dirty="0" smtClean="0">
-                <a:solidFill>
-                  <a:srgbClr val="CE4215"/>
-                </a:solidFill>
-              </a:rPr>
-              <a:t>]</a:t>
-            </a:r>
-            <a:endParaRPr lang="en-US" sz="1200" dirty="0" smtClean="0">
-              <a:solidFill>
-                <a:srgbClr val="CE4215"/>
-              </a:solidFill>
-            </a:endParaRPr>
-          </a:p>
-          <a:p>
-            <a:r>
               <a:rPr lang="en-US" sz="1200" dirty="0">
                 <a:solidFill>
                   <a:srgbClr val="CE4215"/>
@@ -11221,7 +10558,7 @@
           </a:p>
           <a:p>
             <a:r>
-              <a:rPr lang="en-US" sz="1200" dirty="0" smtClean="0">
+              <a:rPr lang="en-US" sz="1200" dirty="0">
                 <a:solidFill>
                   <a:srgbClr val="CE4215"/>
                 </a:solidFill>
@@ -11281,16 +10618,12 @@
               <a:t>Simple </a:t>
             </a:r>
             <a:r>
-              <a:rPr lang="en-US" dirty="0" err="1" smtClean="0"/>
+              <a:rPr lang="en-US" dirty="0" err="1"/>
               <a:t>genbank</a:t>
             </a:r>
             <a:r>
-              <a:rPr lang="en-US" dirty="0" smtClean="0"/>
-              <a:t> </a:t>
-            </a:r>
-            <a:r>
               <a:rPr lang="en-US" dirty="0"/>
-              <a:t>parsing example</a:t>
+              <a:t> parsing example</a:t>
             </a:r>
             <a:endParaRPr lang="fr-FR" dirty="0"/>
           </a:p>
@@ -11313,7 +10646,7 @@
           <a:p>
             <a:fld id="{564E6AB2-EF21-D540-84B2-7C8042AC94AB}" type="datetime1">
               <a:rPr lang="fr-FR" smtClean="0"/>
-              <a:t>17/11/16</a:t>
+              <a:t>08/11/2018</a:t>
             </a:fld>
             <a:endParaRPr lang="fr-FR" dirty="0"/>
           </a:p>
@@ -11335,7 +10668,7 @@
           <a:lstStyle/>
           <a:p>
             <a:r>
-              <a:rPr lang="fr-FR" smtClean="0"/>
+              <a:rPr lang="fr-FR"/>
               <a:t>Python pour la biologie</a:t>
             </a:r>
             <a:endParaRPr lang="fr-FR" dirty="0"/>
@@ -11404,109 +10737,101 @@
           </a:lstStyle>
           <a:p>
             <a:r>
-              <a:rPr lang="fr-FR" sz="1200" dirty="0" smtClean="0"/>
-              <a:t>&gt;</a:t>
-            </a:r>
-            <a:r>
               <a:rPr lang="fr-FR" sz="1200" dirty="0"/>
-              <a:t>&gt;</a:t>
-            </a:r>
-            <a:r>
-              <a:rPr lang="fr-FR" sz="1200" dirty="0" smtClean="0"/>
-              <a:t>&gt; </a:t>
-            </a:r>
-            <a:r>
-              <a:rPr lang="en-US" sz="1200" dirty="0" smtClean="0"/>
+              <a:t>&gt;&gt;&gt; </a:t>
+            </a:r>
+            <a:r>
+              <a:rPr lang="en-US" sz="1200" dirty="0"/>
               <a:t>for </a:t>
             </a:r>
             <a:r>
-              <a:rPr lang="en-US" sz="1200" dirty="0" err="1" smtClean="0"/>
+              <a:rPr lang="en-US" sz="1200" dirty="0" err="1"/>
               <a:t>seq_record</a:t>
             </a:r>
             <a:r>
-              <a:rPr lang="en-US" sz="1200" dirty="0" smtClean="0"/>
+              <a:rPr lang="en-US" sz="1200" dirty="0"/>
               <a:t> in </a:t>
             </a:r>
             <a:r>
-              <a:rPr lang="en-US" sz="1200" dirty="0" err="1" smtClean="0"/>
+              <a:rPr lang="en-US" sz="1200" dirty="0" err="1"/>
               <a:t>SeqIO.parse</a:t>
             </a:r>
             <a:r>
-              <a:rPr lang="en-US" sz="1200" dirty="0" smtClean="0"/>
+              <a:rPr lang="en-US" sz="1200" dirty="0"/>
               <a:t>("</a:t>
             </a:r>
             <a:r>
-              <a:rPr lang="en-US" sz="1200" dirty="0" err="1" smtClean="0"/>
+              <a:rPr lang="en-US" sz="1200" dirty="0" err="1"/>
               <a:t>ls_orchid.gbk</a:t>
             </a:r>
             <a:r>
-              <a:rPr lang="en-US" sz="1200" dirty="0" smtClean="0"/>
+              <a:rPr lang="en-US" sz="1200" dirty="0"/>
               <a:t>", </a:t>
             </a:r>
             <a:r>
-              <a:rPr lang="en-US" sz="1200" dirty="0" err="1" smtClean="0"/>
+              <a:rPr lang="en-US" sz="1200" dirty="0" err="1"/>
               <a:t>genbank</a:t>
             </a:r>
             <a:r>
-              <a:rPr lang="en-US" sz="1200" dirty="0" smtClean="0"/>
+              <a:rPr lang="en-US" sz="1200" dirty="0"/>
               <a:t>"):</a:t>
             </a:r>
           </a:p>
           <a:p>
             <a:r>
-              <a:rPr lang="en-US" sz="1200" dirty="0" smtClean="0"/>
+              <a:rPr lang="en-US" sz="1200" dirty="0"/>
               <a:t>	print(</a:t>
             </a:r>
             <a:r>
-              <a:rPr lang="en-US" sz="1200" dirty="0" err="1" smtClean="0"/>
+              <a:rPr lang="en-US" sz="1200" dirty="0" err="1"/>
               <a:t>seq_record.id</a:t>
             </a:r>
             <a:r>
-              <a:rPr lang="en-US" sz="1200" dirty="0" smtClean="0"/>
+              <a:rPr lang="en-US" sz="1200" dirty="0"/>
               <a:t>)</a:t>
             </a:r>
           </a:p>
           <a:p>
             <a:r>
-              <a:rPr lang="en-US" sz="1200" dirty="0" smtClean="0"/>
+              <a:rPr lang="en-US" sz="1200" dirty="0"/>
               <a:t>	print(</a:t>
             </a:r>
             <a:r>
-              <a:rPr lang="en-US" sz="1200" dirty="0" err="1" smtClean="0"/>
+              <a:rPr lang="en-US" sz="1200" dirty="0" err="1"/>
               <a:t>repr</a:t>
             </a:r>
             <a:r>
-              <a:rPr lang="en-US" sz="1200" dirty="0" smtClean="0"/>
+              <a:rPr lang="en-US" sz="1200" dirty="0"/>
               <a:t>(</a:t>
             </a:r>
             <a:r>
-              <a:rPr lang="en-US" sz="1200" dirty="0" err="1" smtClean="0"/>
+              <a:rPr lang="en-US" sz="1200" dirty="0" err="1"/>
               <a:t>seq_record.seq</a:t>
             </a:r>
             <a:r>
-              <a:rPr lang="en-US" sz="1200" dirty="0" smtClean="0"/>
+              <a:rPr lang="en-US" sz="1200" dirty="0"/>
               <a:t>))</a:t>
             </a:r>
           </a:p>
           <a:p>
             <a:r>
-              <a:rPr lang="en-US" sz="1200" dirty="0" smtClean="0"/>
+              <a:rPr lang="en-US" sz="1200" dirty="0"/>
               <a:t>	print(</a:t>
             </a:r>
             <a:r>
-              <a:rPr lang="en-US" sz="1200" dirty="0" err="1" smtClean="0"/>
+              <a:rPr lang="en-US" sz="1200" dirty="0" err="1"/>
               <a:t>len</a:t>
             </a:r>
             <a:r>
-              <a:rPr lang="en-US" sz="1200" dirty="0" smtClean="0"/>
+              <a:rPr lang="en-US" sz="1200" dirty="0"/>
               <a:t>(</a:t>
             </a:r>
             <a:r>
-              <a:rPr lang="en-US" sz="1200" dirty="0" err="1" smtClean="0"/>
+              <a:rPr lang="en-US" sz="1200" dirty="0" err="1"/>
               <a:t>seq_record</a:t>
             </a:r>
             <a:r>
-              <a:rPr lang="en-US" sz="1200" dirty="0" smtClean="0"/>
+              <a:rPr lang="en-US" sz="1200" dirty="0"/>
               <a:t>))</a:t>
             </a:r>
           </a:p>
@@ -11721,20 +11046,16 @@
           </a:lstStyle>
           <a:p>
             <a:r>
-              <a:rPr lang="en-US" dirty="0" smtClean="0"/>
+              <a:rPr lang="en-US" dirty="0"/>
               <a:t>Also “</a:t>
             </a:r>
             <a:r>
-              <a:rPr lang="en-US" dirty="0" err="1" smtClean="0"/>
+              <a:rPr lang="en-US" dirty="0" err="1"/>
               <a:t>swiss</a:t>
             </a:r>
             <a:r>
-              <a:rPr lang="en-US" dirty="0" smtClean="0"/>
-              <a:t>” </a:t>
-            </a:r>
-            <a:r>
               <a:rPr lang="en-US" dirty="0"/>
-              <a:t>for </a:t>
+              <a:t>” for </a:t>
             </a:r>
             <a:r>
               <a:rPr lang="en-US" dirty="0" err="1"/>
@@ -11742,37 +11063,21 @@
             </a:r>
             <a:r>
               <a:rPr lang="en-US" dirty="0"/>
-              <a:t> files or </a:t>
-            </a:r>
-            <a:r>
-              <a:rPr lang="en-US" dirty="0" smtClean="0"/>
-              <a:t>“</a:t>
-            </a:r>
-            <a:r>
-              <a:rPr lang="en-US" dirty="0" err="1" smtClean="0"/>
+              <a:t> files or “</a:t>
+            </a:r>
+            <a:r>
+              <a:rPr lang="en-US" dirty="0" err="1"/>
               <a:t>embl</a:t>
             </a:r>
             <a:r>
-              <a:rPr lang="en-US" dirty="0" smtClean="0"/>
-              <a:t>” </a:t>
-            </a:r>
-            <a:r>
               <a:rPr lang="en-US" dirty="0"/>
-              <a:t>for EMBL text </a:t>
-            </a:r>
-            <a:r>
-              <a:rPr lang="en-US" dirty="0" smtClean="0"/>
-              <a:t>files</a:t>
-            </a:r>
-          </a:p>
-          <a:p>
-            <a:r>
-              <a:rPr lang="en-US" dirty="0" smtClean="0"/>
-              <a:t>See </a:t>
-            </a:r>
+              <a:t>” for EMBL text files</a:t>
+            </a:r>
+          </a:p>
+          <a:p>
             <a:r>
               <a:rPr lang="en-US" dirty="0"/>
-              <a:t>wiki page (</a:t>
+              <a:t>See wiki page (</a:t>
             </a:r>
             <a:r>
               <a:rPr lang="en-US" dirty="0">
@@ -11799,7 +11104,7 @@
               <a:t>SeqIO</a:t>
             </a:r>
             <a:r>
-              <a:rPr lang="en-US" dirty="0" smtClean="0"/>
+              <a:rPr lang="en-US" dirty="0"/>
               <a:t>)</a:t>
             </a:r>
           </a:p>
@@ -11846,12 +11151,8 @@
           </a:lstStyle>
           <a:p>
             <a:r>
-              <a:rPr lang="en-US" sz="1200" dirty="0" smtClean="0"/>
-              <a:t>&gt;</a:t>
-            </a:r>
-            <a:r>
-              <a:rPr lang="en-US" sz="1200" dirty="0"/>
-              <a:t>&gt;&gt; identifiers = [</a:t>
+              <a:rPr lang="en-US" sz="1200" dirty="0"/>
+              <a:t>&gt;&gt;&gt; identifiers = [</a:t>
             </a:r>
             <a:r>
               <a:rPr lang="en-US" sz="1200" dirty="0" err="1"/>
@@ -11897,11 +11198,7 @@
           <a:p>
             <a:r>
               <a:rPr lang="en-US" sz="1200" dirty="0"/>
-              <a:t>&gt;&gt;&gt; </a:t>
-            </a:r>
-            <a:r>
-              <a:rPr lang="en-US" sz="1200" dirty="0" smtClean="0"/>
-              <a:t>identifiers</a:t>
+              <a:t>&gt;&gt;&gt; identifiers</a:t>
             </a:r>
           </a:p>
         </p:txBody>
@@ -12164,34 +11461,13 @@
           </a:lstStyle>
           <a:p>
             <a:r>
-              <a:rPr lang="en-US" sz="1200" dirty="0" smtClean="0">
+              <a:rPr lang="en-US" sz="1200" dirty="0">
                 <a:solidFill>
                   <a:srgbClr val="CE4215"/>
                 </a:solidFill>
               </a:rPr>
-              <a:t>[</a:t>
-            </a:r>
-            <a:r>
-              <a:rPr lang="en-US" sz="1200" dirty="0">
-                <a:solidFill>
-                  <a:srgbClr val="CE4215"/>
-                </a:solidFill>
-              </a:rPr>
-              <a:t>'Z78533.1', 'Z78532.1', 'Z78531.1', 'Z78530.1', 'Z78529.1', 'Z78527.1', ..., '</a:t>
-            </a:r>
-            <a:r>
-              <a:rPr lang="en-US" sz="1200" dirty="0" smtClean="0">
-                <a:solidFill>
-                  <a:srgbClr val="CE4215"/>
-                </a:solidFill>
-              </a:rPr>
-              <a:t>Z78439.1’]</a:t>
-            </a:r>
-            <a:endParaRPr lang="en-US" sz="1200" dirty="0">
-              <a:solidFill>
-                <a:srgbClr val="CE4215"/>
-              </a:solidFill>
-            </a:endParaRPr>
+              <a:t>['Z78533.1', 'Z78532.1', 'Z78531.1', 'Z78530.1', 'Z78529.1', 'Z78527.1', ..., 'Z78439.1’]</a:t>
+            </a:r>
           </a:p>
         </p:txBody>
       </p:sp>
@@ -12233,7 +11509,7 @@
           </a:lstStyle>
           <a:p>
             <a:r>
-              <a:rPr lang="en-US" sz="1200" dirty="0" smtClean="0">
+              <a:rPr lang="en-US" sz="1200" dirty="0">
                 <a:solidFill>
                   <a:srgbClr val="CE4215"/>
                 </a:solidFill>
@@ -12243,7 +11519,7 @@
           </a:p>
           <a:p>
             <a:r>
-              <a:rPr lang="en-US" sz="1200" dirty="0" err="1" smtClean="0">
+              <a:rPr lang="en-US" sz="1200" dirty="0" err="1">
                 <a:solidFill>
                   <a:srgbClr val="CE4215"/>
                 </a:solidFill>
@@ -12251,7 +11527,7 @@
               <a:t>Seq</a:t>
             </a:r>
             <a:r>
-              <a:rPr lang="en-US" sz="1200" dirty="0" smtClean="0">
+              <a:rPr lang="en-US" sz="1200" dirty="0">
                 <a:solidFill>
                   <a:srgbClr val="CE4215"/>
                 </a:solidFill>
@@ -12259,7 +11535,7 @@
               <a:t>('CGTAACAAGGTTTCCGTAGGTGAACCTGCGGAAGGATCATTGATGAGACCGTGG...CGC', </a:t>
             </a:r>
             <a:r>
-              <a:rPr lang="en-US" sz="1200" dirty="0" err="1" smtClean="0">
+              <a:rPr lang="en-US" sz="1200" dirty="0" err="1">
                 <a:solidFill>
                   <a:srgbClr val="CE4215"/>
                 </a:solidFill>
@@ -12267,7 +11543,7 @@
               <a:t>IUPACAmbiguousDNA</a:t>
             </a:r>
             <a:r>
-              <a:rPr lang="en-US" sz="1200" dirty="0" smtClean="0">
+              <a:rPr lang="en-US" sz="1200" dirty="0">
                 <a:solidFill>
                   <a:srgbClr val="CE4215"/>
                 </a:solidFill>
@@ -12277,7 +11553,7 @@
           </a:p>
           <a:p>
             <a:r>
-              <a:rPr lang="en-US" sz="1200" dirty="0" smtClean="0">
+              <a:rPr lang="en-US" sz="1200" dirty="0">
                 <a:solidFill>
                   <a:srgbClr val="CE4215"/>
                 </a:solidFill>
@@ -12287,7 +11563,7 @@
           </a:p>
           <a:p>
             <a:r>
-              <a:rPr lang="fr-FR" sz="1200" dirty="0" smtClean="0">
+              <a:rPr lang="fr-FR" sz="1200" dirty="0">
                 <a:solidFill>
                   <a:srgbClr val="CE4215"/>
                 </a:solidFill>
@@ -12295,7 +11571,7 @@
               <a:t>[</a:t>
             </a:r>
             <a:r>
-              <a:rPr lang="mr-IN" sz="1200" dirty="0" smtClean="0">
+              <a:rPr lang="mr-IN" sz="1200" dirty="0">
                 <a:solidFill>
                   <a:srgbClr val="CE4215"/>
                 </a:solidFill>
@@ -12303,14 +11579,14 @@
               <a:t>…</a:t>
             </a:r>
             <a:r>
-              <a:rPr lang="fr-FR" sz="1200" dirty="0" smtClean="0">
+              <a:rPr lang="fr-FR" sz="1200" dirty="0">
                 <a:solidFill>
                   <a:srgbClr val="CE4215"/>
                 </a:solidFill>
               </a:rPr>
               <a:t>]</a:t>
             </a:r>
-            <a:endParaRPr lang="en-US" sz="1200" dirty="0" smtClean="0">
+            <a:endParaRPr lang="en-US" sz="1200" dirty="0">
               <a:solidFill>
                 <a:srgbClr val="CE4215"/>
               </a:solidFill>
@@ -12318,7 +11594,7 @@
           </a:p>
           <a:p>
             <a:r>
-              <a:rPr lang="en-US" sz="1200" dirty="0" smtClean="0">
+              <a:rPr lang="en-US" sz="1200" dirty="0">
                 <a:solidFill>
                   <a:srgbClr val="CE4215"/>
                 </a:solidFill>
@@ -12328,7 +11604,7 @@
           </a:p>
           <a:p>
             <a:r>
-              <a:rPr lang="en-US" sz="1200" dirty="0" err="1" smtClean="0">
+              <a:rPr lang="en-US" sz="1200" dirty="0" err="1">
                 <a:solidFill>
                   <a:srgbClr val="CE4215"/>
                 </a:solidFill>
@@ -12336,7 +11612,7 @@
               <a:t>Seq</a:t>
             </a:r>
             <a:r>
-              <a:rPr lang="en-US" sz="1200" dirty="0" smtClean="0">
+              <a:rPr lang="en-US" sz="1200" dirty="0">
                 <a:solidFill>
                   <a:srgbClr val="CE4215"/>
                 </a:solidFill>
@@ -12344,7 +11620,7 @@
               <a:t>('CATTGTTGAGATCACATAATAATTGATCGAGTTAATCTGGAGGATCTGTTTACT...GCC', </a:t>
             </a:r>
             <a:r>
-              <a:rPr lang="en-US" sz="1200" dirty="0" err="1" smtClean="0">
+              <a:rPr lang="en-US" sz="1200" dirty="0" err="1">
                 <a:solidFill>
                   <a:srgbClr val="CE4215"/>
                 </a:solidFill>
@@ -12352,7 +11628,7 @@
               <a:t>IUPACAmbiguousDNA</a:t>
             </a:r>
             <a:r>
-              <a:rPr lang="en-US" sz="1200" dirty="0" smtClean="0">
+              <a:rPr lang="en-US" sz="1200" dirty="0">
                 <a:solidFill>
                   <a:srgbClr val="CE4215"/>
                 </a:solidFill>
@@ -12362,7 +11638,7 @@
           </a:p>
           <a:p>
             <a:r>
-              <a:rPr lang="en-US" sz="1200" dirty="0" smtClean="0">
+              <a:rPr lang="en-US" sz="1200" dirty="0">
                 <a:solidFill>
                   <a:srgbClr val="CE4215"/>
                 </a:solidFill>
@@ -12418,16 +11694,8 @@
           <a:lstStyle/>
           <a:p>
             <a:r>
-              <a:rPr lang="en-US" dirty="0" smtClean="0"/>
-              <a:t>Iterating </a:t>
-            </a:r>
-            <a:r>
               <a:rPr lang="en-US" dirty="0"/>
-              <a:t>over the records in a sequence </a:t>
-            </a:r>
-            <a:r>
-              <a:rPr lang="en-US" dirty="0" smtClean="0"/>
-              <a:t>file</a:t>
+              <a:t>Iterating over the records in a sequence file</a:t>
             </a:r>
             <a:endParaRPr lang="fr-FR" dirty="0"/>
           </a:p>
@@ -12455,45 +11723,24 @@
           <a:p>
             <a:r>
               <a:rPr lang="en-US" dirty="0"/>
-              <a:t>The object returned </a:t>
-            </a:r>
-            <a:r>
-              <a:rPr lang="en-US" dirty="0" smtClean="0"/>
-              <a:t>by </a:t>
-            </a:r>
-            <a:r>
-              <a:rPr lang="en-US" dirty="0" err="1" smtClean="0"/>
+              <a:t>The object returned by </a:t>
+            </a:r>
+            <a:r>
+              <a:rPr lang="en-US" dirty="0" err="1"/>
               <a:t>Bio.SeqIO</a:t>
             </a:r>
             <a:r>
               <a:rPr lang="en-US" dirty="0"/>
-              <a:t> </a:t>
-            </a:r>
-            <a:r>
-              <a:rPr lang="en-US" dirty="0" smtClean="0"/>
-              <a:t>is </a:t>
+              <a:t> is actually an iterator which returns </a:t>
+            </a:r>
+            <a:r>
+              <a:rPr lang="en-US" dirty="0" err="1"/>
+              <a:t>SeqRecord</a:t>
             </a:r>
             <a:r>
               <a:rPr lang="en-US" dirty="0"/>
-              <a:t>actually an iterator which </a:t>
-            </a:r>
-            <a:r>
-              <a:rPr lang="en-US" dirty="0" smtClean="0"/>
-              <a:t>returns </a:t>
-            </a:r>
-            <a:r>
-              <a:rPr lang="en-US" dirty="0" err="1" smtClean="0"/>
-              <a:t>SeqRecord</a:t>
-            </a:r>
-            <a:r>
-              <a:rPr lang="en-US" dirty="0"/>
-              <a:t> </a:t>
-            </a:r>
-            <a:r>
-              <a:rPr lang="en-US" dirty="0" smtClean="0"/>
-              <a:t>objects</a:t>
-            </a:r>
-            <a:endParaRPr lang="en-US" dirty="0"/>
+              <a:t> objects</a:t>
+            </a:r>
           </a:p>
           <a:p>
             <a:endParaRPr lang="fr-FR" dirty="0"/>
@@ -12517,7 +11764,7 @@
           <a:p>
             <a:fld id="{52E5C328-EAC5-6D4F-BF89-2F637320300D}" type="datetime1">
               <a:rPr lang="fr-FR" smtClean="0"/>
-              <a:t>17/11/16</a:t>
+              <a:t>08/11/2018</a:t>
             </a:fld>
             <a:endParaRPr lang="fr-FR" dirty="0"/>
           </a:p>
@@ -12539,7 +11786,7 @@
           <a:lstStyle/>
           <a:p>
             <a:r>
-              <a:rPr lang="fr-FR" smtClean="0"/>
+              <a:rPr lang="fr-FR"/>
               <a:t>Python pour la biologie</a:t>
             </a:r>
             <a:endParaRPr lang="fr-FR" dirty="0"/>
@@ -12608,20 +11855,16 @@
           </a:lstStyle>
           <a:p>
             <a:r>
-              <a:rPr lang="en-US" sz="1200" dirty="0" smtClean="0"/>
+              <a:rPr lang="en-US" sz="1200" dirty="0"/>
               <a:t>&gt;&gt;&gt;</a:t>
             </a:r>
             <a:r>
-              <a:rPr lang="en-US" sz="1200" dirty="0" err="1" smtClean="0"/>
+              <a:rPr lang="en-US" sz="1200" dirty="0" err="1"/>
               <a:t>record_iterator</a:t>
             </a:r>
             <a:r>
-              <a:rPr lang="en-US" sz="1200" dirty="0" smtClean="0"/>
-              <a:t> </a:t>
-            </a:r>
-            <a:r>
-              <a:rPr lang="en-US" sz="1200" dirty="0"/>
-              <a:t>= </a:t>
+              <a:rPr lang="en-US" sz="1200" dirty="0"/>
+              <a:t> = </a:t>
             </a:r>
             <a:r>
               <a:rPr lang="en-US" sz="1200" dirty="0" err="1"/>
@@ -12640,30 +11883,26 @@
               <a:t>", "</a:t>
             </a:r>
             <a:r>
-              <a:rPr lang="en-US" sz="1200" dirty="0" err="1" smtClean="0"/>
+              <a:rPr lang="en-US" sz="1200" dirty="0" err="1"/>
               <a:t>fasta</a:t>
             </a:r>
             <a:r>
-              <a:rPr lang="en-US" sz="1200" dirty="0" smtClean="0"/>
+              <a:rPr lang="en-US" sz="1200" dirty="0"/>
               <a:t>”)</a:t>
             </a:r>
           </a:p>
           <a:p>
             <a:r>
-              <a:rPr lang="en-US" sz="1200" dirty="0" smtClean="0"/>
+              <a:rPr lang="en-US" sz="1200" dirty="0"/>
               <a:t>&gt;&gt;&gt;</a:t>
             </a:r>
             <a:r>
-              <a:rPr lang="en-US" sz="1200" dirty="0" err="1" smtClean="0"/>
+              <a:rPr lang="en-US" sz="1200" dirty="0" err="1"/>
               <a:t>first_record</a:t>
             </a:r>
             <a:r>
-              <a:rPr lang="en-US" sz="1200" dirty="0" smtClean="0"/>
-              <a:t> </a:t>
-            </a:r>
-            <a:r>
-              <a:rPr lang="en-US" sz="1200" dirty="0"/>
-              <a:t>= next(</a:t>
+              <a:rPr lang="en-US" sz="1200" dirty="0"/>
+              <a:t> = next(</a:t>
             </a:r>
             <a:r>
               <a:rPr lang="en-US" sz="1200" dirty="0" err="1"/>
@@ -12676,37 +11915,29 @@
           </a:p>
           <a:p>
             <a:r>
-              <a:rPr lang="en-US" sz="1200" dirty="0" smtClean="0"/>
-              <a:t>&gt;&gt;&gt;print</a:t>
-            </a:r>
-            <a:r>
-              <a:rPr lang="en-US" sz="1200" dirty="0"/>
-              <a:t>(</a:t>
+              <a:rPr lang="en-US" sz="1200" dirty="0"/>
+              <a:t>&gt;&gt;&gt;print(</a:t>
             </a:r>
             <a:r>
               <a:rPr lang="en-US" sz="1200" dirty="0" err="1"/>
               <a:t>first_record.id</a:t>
             </a:r>
             <a:r>
-              <a:rPr lang="en-US" sz="1200" dirty="0" smtClean="0"/>
+              <a:rPr lang="en-US" sz="1200" dirty="0"/>
               <a:t>)</a:t>
             </a:r>
           </a:p>
           <a:p>
             <a:r>
-              <a:rPr lang="en-US" sz="1200" dirty="0" smtClean="0"/>
-              <a:t>&gt;&gt;&gt;print</a:t>
-            </a:r>
-            <a:r>
-              <a:rPr lang="en-US" sz="1200" dirty="0"/>
-              <a:t>(</a:t>
+              <a:rPr lang="en-US" sz="1200" dirty="0"/>
+              <a:t>&gt;&gt;&gt;print(</a:t>
             </a:r>
             <a:r>
               <a:rPr lang="en-US" sz="1200" dirty="0" err="1"/>
               <a:t>first_record.description</a:t>
             </a:r>
             <a:r>
-              <a:rPr lang="en-US" sz="1200" dirty="0" smtClean="0"/>
+              <a:rPr lang="en-US" sz="1200" dirty="0"/>
               <a:t>)</a:t>
             </a:r>
           </a:p>
@@ -12750,20 +11981,16 @@
           </a:lstStyle>
           <a:p>
             <a:r>
-              <a:rPr lang="en-US" sz="1200" dirty="0" smtClean="0"/>
+              <a:rPr lang="en-US" sz="1200" dirty="0"/>
               <a:t>&gt;&gt;&gt;</a:t>
             </a:r>
             <a:r>
-              <a:rPr lang="en-US" sz="1200" dirty="0" err="1" smtClean="0"/>
+              <a:rPr lang="en-US" sz="1200" dirty="0" err="1"/>
               <a:t>first_record</a:t>
             </a:r>
             <a:r>
-              <a:rPr lang="en-US" sz="1200" dirty="0" smtClean="0"/>
-              <a:t> </a:t>
-            </a:r>
-            <a:r>
-              <a:rPr lang="en-US" sz="1200" dirty="0"/>
-              <a:t>= next(</a:t>
+              <a:rPr lang="en-US" sz="1200" dirty="0"/>
+              <a:t> = next(</a:t>
             </a:r>
             <a:r>
               <a:rPr lang="en-US" sz="1200" dirty="0" err="1"/>
@@ -12830,7 +12057,7 @@
           </a:lstStyle>
           <a:p>
             <a:r>
-              <a:rPr lang="en-US" sz="1200" dirty="0" smtClean="0">
+              <a:rPr lang="en-US" sz="1200" dirty="0">
                 <a:solidFill>
                   <a:srgbClr val="CE4215"/>
                 </a:solidFill>
@@ -12879,20 +12106,16 @@
           </a:lstStyle>
           <a:p>
             <a:r>
-              <a:rPr lang="en-US" sz="1200" dirty="0" smtClean="0"/>
+              <a:rPr lang="en-US" sz="1200" dirty="0"/>
               <a:t>&gt;&gt;&gt;</a:t>
             </a:r>
             <a:r>
-              <a:rPr lang="en-US" sz="1200" dirty="0" err="1" smtClean="0"/>
+              <a:rPr lang="en-US" sz="1200" dirty="0" err="1"/>
               <a:t>second_record</a:t>
             </a:r>
             <a:r>
-              <a:rPr lang="en-US" sz="1200" dirty="0" smtClean="0"/>
-              <a:t> </a:t>
-            </a:r>
-            <a:r>
-              <a:rPr lang="en-US" sz="1200" dirty="0"/>
-              <a:t>= next(</a:t>
+              <a:rPr lang="en-US" sz="1200" dirty="0"/>
+              <a:t> = next(</a:t>
             </a:r>
             <a:r>
               <a:rPr lang="en-US" sz="1200" dirty="0" err="1"/>
@@ -12905,19 +12128,15 @@
           </a:p>
           <a:p>
             <a:r>
-              <a:rPr lang="en-US" sz="1200" dirty="0" smtClean="0"/>
-              <a:t>&gt;&gt;&gt;print</a:t>
-            </a:r>
-            <a:r>
-              <a:rPr lang="en-US" sz="1200" dirty="0"/>
-              <a:t>(</a:t>
+              <a:rPr lang="en-US" sz="1200" dirty="0"/>
+              <a:t>&gt;&gt;&gt;print(</a:t>
             </a:r>
             <a:r>
               <a:rPr lang="en-US" sz="1200" dirty="0" err="1"/>
               <a:t>second_record.id</a:t>
             </a:r>
             <a:r>
-              <a:rPr lang="en-US" sz="1200" dirty="0" smtClean="0"/>
+              <a:rPr lang="en-US" sz="1200" dirty="0"/>
               <a:t>)</a:t>
             </a:r>
           </a:p>
@@ -12931,7 +12150,7 @@
               <a:t>second_record.description</a:t>
             </a:r>
             <a:r>
-              <a:rPr lang="en-US" sz="1200" dirty="0" smtClean="0"/>
+              <a:rPr lang="en-US" sz="1200" dirty="0"/>
               <a:t>)</a:t>
             </a:r>
           </a:p>
@@ -12975,7 +12194,7 @@
           </a:lstStyle>
           <a:p>
             <a:r>
-              <a:rPr lang="en-US" sz="1200" dirty="0" smtClean="0">
+              <a:rPr lang="en-US" sz="1200" dirty="0">
                 <a:solidFill>
                   <a:srgbClr val="CE4215"/>
                 </a:solidFill>
@@ -13033,11 +12252,7 @@
           <a:p>
             <a:r>
               <a:rPr lang="en-US" dirty="0"/>
-              <a:t>Getting a list of the records in a sequence </a:t>
-            </a:r>
-            <a:r>
-              <a:rPr lang="en-US" dirty="0" smtClean="0"/>
-              <a:t>file</a:t>
+              <a:t>Getting a list of the records in a sequence file</a:t>
             </a:r>
             <a:endParaRPr lang="fr-FR" dirty="0"/>
           </a:p>
@@ -13065,95 +12280,14 @@
           <a:p>
             <a:r>
               <a:rPr lang="en-US" dirty="0"/>
-              <a:t>A</a:t>
-            </a:r>
-            <a:r>
-              <a:rPr lang="en-US" dirty="0" smtClean="0"/>
-              <a:t>ccess records </a:t>
-            </a:r>
+              <a:t>Access records in any order using Python list data type Using a list</a:t>
+            </a:r>
+          </a:p>
+          <a:p>
             <a:r>
               <a:rPr lang="en-US" dirty="0"/>
-              <a:t>in any </a:t>
-            </a:r>
-            <a:r>
-              <a:rPr lang="en-US" dirty="0" smtClean="0"/>
-              <a:t>order using Python list</a:t>
-            </a:r>
-            <a:r>
-              <a:rPr lang="en-US" dirty="0"/>
-              <a:t> </a:t>
-            </a:r>
-            <a:r>
-              <a:rPr lang="en-US" dirty="0" smtClean="0"/>
-              <a:t>data </a:t>
-            </a:r>
-            <a:r>
-              <a:rPr lang="en-US" dirty="0"/>
-              <a:t>type </a:t>
-            </a:r>
-            <a:r>
-              <a:rPr lang="en-US" dirty="0" smtClean="0"/>
-              <a:t>Using </a:t>
-            </a:r>
-            <a:r>
-              <a:rPr lang="en-US" dirty="0"/>
-              <a:t>a </a:t>
-            </a:r>
-            <a:r>
-              <a:rPr lang="en-US" dirty="0" smtClean="0"/>
-              <a:t>list</a:t>
-            </a:r>
-          </a:p>
-          <a:p>
-            <a:r>
-              <a:rPr lang="en-US" dirty="0"/>
-              <a:t>M</a:t>
-            </a:r>
-            <a:r>
-              <a:rPr lang="en-US" dirty="0" smtClean="0"/>
-              <a:t>uch </a:t>
-            </a:r>
-            <a:r>
-              <a:rPr lang="en-US" dirty="0"/>
-              <a:t>more </a:t>
-            </a:r>
-            <a:r>
-              <a:rPr lang="en-US" dirty="0" smtClean="0"/>
-              <a:t>flexible than </a:t>
-            </a:r>
-            <a:r>
-              <a:rPr lang="en-US" dirty="0"/>
-              <a:t>an iterator </a:t>
-            </a:r>
-            <a:r>
-              <a:rPr lang="en-US" dirty="0" smtClean="0"/>
-              <a:t>(length </a:t>
-            </a:r>
-            <a:r>
-              <a:rPr lang="en-US" dirty="0"/>
-              <a:t>of the list</a:t>
-            </a:r>
-            <a:r>
-              <a:rPr lang="en-US" dirty="0" smtClean="0"/>
-              <a:t>) but need </a:t>
-            </a:r>
-            <a:r>
-              <a:rPr lang="en-US" dirty="0"/>
-              <a:t>more memory </a:t>
-            </a:r>
-            <a:r>
-              <a:rPr lang="en-US" dirty="0" smtClean="0"/>
-              <a:t>(hold </a:t>
-            </a:r>
-            <a:r>
-              <a:rPr lang="en-US" dirty="0"/>
-              <a:t>all the records in memory at </a:t>
-            </a:r>
-            <a:r>
-              <a:rPr lang="en-US" dirty="0" smtClean="0"/>
-              <a:t>once).</a:t>
-            </a:r>
-            <a:endParaRPr lang="en-US" dirty="0"/>
+              <a:t>Much more flexible than an iterator (length of the list) but need more memory (hold all the records in memory at once).</a:t>
+            </a:r>
           </a:p>
           <a:p>
             <a:endParaRPr lang="en-US" dirty="0"/>
@@ -13180,7 +12314,7 @@
           <a:p>
             <a:fld id="{878310B8-6126-3C41-B9B4-558208F84FEB}" type="datetime1">
               <a:rPr lang="fr-FR" smtClean="0"/>
-              <a:t>17/11/16</a:t>
+              <a:t>08/11/2018</a:t>
             </a:fld>
             <a:endParaRPr lang="fr-FR" dirty="0"/>
           </a:p>
@@ -13202,7 +12336,7 @@
           <a:lstStyle/>
           <a:p>
             <a:r>
-              <a:rPr lang="fr-FR" smtClean="0"/>
+              <a:rPr lang="fr-FR"/>
               <a:t>Python pour la biologie</a:t>
             </a:r>
             <a:endParaRPr lang="fr-FR" dirty="0"/>
@@ -13271,53 +12405,53 @@
           </a:lstStyle>
           <a:p>
             <a:r>
-              <a:rPr lang="en-US" sz="1200" dirty="0" smtClean="0"/>
+              <a:rPr lang="en-US" sz="1200" dirty="0"/>
               <a:t>&gt;&gt;&gt;records = list(</a:t>
             </a:r>
             <a:r>
-              <a:rPr lang="en-US" sz="1200" dirty="0" err="1" smtClean="0"/>
+              <a:rPr lang="en-US" sz="1200" dirty="0" err="1"/>
               <a:t>SeqIO.parse</a:t>
             </a:r>
             <a:r>
-              <a:rPr lang="en-US" sz="1200" dirty="0" smtClean="0"/>
+              <a:rPr lang="en-US" sz="1200" dirty="0"/>
               <a:t>("</a:t>
             </a:r>
             <a:r>
-              <a:rPr lang="en-US" sz="1200" dirty="0" err="1" smtClean="0"/>
+              <a:rPr lang="en-US" sz="1200" dirty="0" err="1"/>
               <a:t>ls_orchid.gbk</a:t>
             </a:r>
             <a:r>
-              <a:rPr lang="en-US" sz="1200" dirty="0" smtClean="0"/>
+              <a:rPr lang="en-US" sz="1200" dirty="0"/>
               <a:t>", "</a:t>
             </a:r>
             <a:r>
-              <a:rPr lang="en-US" sz="1200" dirty="0" err="1" smtClean="0"/>
+              <a:rPr lang="en-US" sz="1200" dirty="0" err="1"/>
               <a:t>genbank</a:t>
             </a:r>
             <a:r>
-              <a:rPr lang="en-US" sz="1200" dirty="0" smtClean="0"/>
+              <a:rPr lang="en-US" sz="1200" dirty="0"/>
               <a:t>"))</a:t>
             </a:r>
           </a:p>
           <a:p>
             <a:r>
-              <a:rPr lang="en-US" sz="1200" dirty="0" smtClean="0"/>
+              <a:rPr lang="en-US" sz="1200" dirty="0"/>
               <a:t>&gt;&gt;&gt;print("Found %</a:t>
             </a:r>
             <a:r>
-              <a:rPr lang="en-US" sz="1200" dirty="0" err="1" smtClean="0"/>
+              <a:rPr lang="en-US" sz="1200" dirty="0" err="1"/>
               <a:t>i</a:t>
             </a:r>
             <a:r>
-              <a:rPr lang="en-US" sz="1200" dirty="0" smtClean="0"/>
+              <a:rPr lang="en-US" sz="1200" dirty="0"/>
               <a:t> records" % </a:t>
             </a:r>
             <a:r>
-              <a:rPr lang="en-US" sz="1200" dirty="0" err="1" smtClean="0"/>
+              <a:rPr lang="en-US" sz="1200" dirty="0" err="1"/>
               <a:t>len</a:t>
             </a:r>
             <a:r>
-              <a:rPr lang="en-US" sz="1200" dirty="0" smtClean="0"/>
+              <a:rPr lang="en-US" sz="1200" dirty="0"/>
               <a:t>(records))</a:t>
             </a:r>
           </a:p>
@@ -13361,73 +12495,73 @@
           </a:lstStyle>
           <a:p>
             <a:r>
-              <a:rPr lang="en-US" sz="1200" dirty="0" smtClean="0"/>
+              <a:rPr lang="en-US" sz="1200" dirty="0"/>
               <a:t>&gt;&gt;&gt;</a:t>
             </a:r>
             <a:r>
-              <a:rPr lang="en-US" sz="1200" dirty="0" err="1" smtClean="0"/>
+              <a:rPr lang="en-US" sz="1200" dirty="0" err="1"/>
               <a:t>last_record</a:t>
             </a:r>
             <a:r>
-              <a:rPr lang="en-US" sz="1200" dirty="0" smtClean="0"/>
+              <a:rPr lang="en-US" sz="1200" dirty="0"/>
               <a:t> = records[-1] #using Python's list tricks</a:t>
             </a:r>
           </a:p>
           <a:p>
             <a:r>
-              <a:rPr lang="en-US" sz="1200" dirty="0" smtClean="0"/>
+              <a:rPr lang="en-US" sz="1200" dirty="0"/>
               <a:t>&gt;&gt;&gt;print(</a:t>
             </a:r>
             <a:r>
-              <a:rPr lang="en-US" sz="1200" dirty="0" err="1" smtClean="0"/>
+              <a:rPr lang="en-US" sz="1200" dirty="0" err="1"/>
               <a:t>last_record.id</a:t>
             </a:r>
             <a:r>
-              <a:rPr lang="en-US" sz="1200" dirty="0" smtClean="0"/>
+              <a:rPr lang="en-US" sz="1200" dirty="0"/>
               <a:t>)</a:t>
             </a:r>
           </a:p>
           <a:p>
             <a:r>
-              <a:rPr lang="en-US" sz="1200" dirty="0" smtClean="0"/>
+              <a:rPr lang="en-US" sz="1200" dirty="0"/>
               <a:t>&gt;&gt;&gt;print(</a:t>
             </a:r>
             <a:r>
-              <a:rPr lang="en-US" sz="1200" dirty="0" err="1" smtClean="0"/>
+              <a:rPr lang="en-US" sz="1200" dirty="0" err="1"/>
               <a:t>repr</a:t>
             </a:r>
             <a:r>
-              <a:rPr lang="en-US" sz="1200" dirty="0" smtClean="0"/>
+              <a:rPr lang="en-US" sz="1200" dirty="0"/>
               <a:t>(</a:t>
             </a:r>
             <a:r>
-              <a:rPr lang="en-US" sz="1200" dirty="0" err="1" smtClean="0"/>
+              <a:rPr lang="en-US" sz="1200" dirty="0" err="1"/>
               <a:t>last_record.seq</a:t>
             </a:r>
             <a:r>
-              <a:rPr lang="en-US" sz="1200" dirty="0" smtClean="0"/>
+              <a:rPr lang="en-US" sz="1200" dirty="0"/>
               <a:t>))</a:t>
             </a:r>
           </a:p>
           <a:p>
             <a:r>
-              <a:rPr lang="en-US" sz="1200" dirty="0" smtClean="0"/>
+              <a:rPr lang="en-US" sz="1200" dirty="0"/>
               <a:t>&gt;&gt;&gt;print(</a:t>
             </a:r>
             <a:r>
-              <a:rPr lang="en-US" sz="1200" dirty="0" err="1" smtClean="0"/>
+              <a:rPr lang="en-US" sz="1200" dirty="0" err="1"/>
               <a:t>len</a:t>
             </a:r>
             <a:r>
-              <a:rPr lang="en-US" sz="1200" dirty="0" smtClean="0"/>
+              <a:rPr lang="en-US" sz="1200" dirty="0"/>
               <a:t>(</a:t>
             </a:r>
             <a:r>
-              <a:rPr lang="en-US" sz="1200" dirty="0" err="1" smtClean="0"/>
+              <a:rPr lang="en-US" sz="1200" dirty="0" err="1"/>
               <a:t>last_record</a:t>
             </a:r>
             <a:r>
-              <a:rPr lang="en-US" sz="1200" dirty="0" smtClean="0"/>
+              <a:rPr lang="en-US" sz="1200" dirty="0"/>
               <a:t>))</a:t>
             </a:r>
           </a:p>
@@ -13471,34 +12605,13 @@
           </a:lstStyle>
           <a:p>
             <a:r>
-              <a:rPr lang="en-US" sz="1200" dirty="0" smtClean="0">
+              <a:rPr lang="en-US" sz="1200" dirty="0">
                 <a:solidFill>
                   <a:srgbClr val="CE4215"/>
                 </a:solidFill>
               </a:rPr>
-              <a:t>Found </a:t>
-            </a:r>
-            <a:r>
-              <a:rPr lang="en-US" sz="1200" dirty="0">
-                <a:solidFill>
-                  <a:srgbClr val="CE4215"/>
-                </a:solidFill>
-              </a:rPr>
-              <a:t>94 </a:t>
-            </a:r>
-            <a:r>
-              <a:rPr lang="en-US" sz="1200" dirty="0" smtClean="0">
-                <a:solidFill>
-                  <a:srgbClr val="CE4215"/>
-                </a:solidFill>
-              </a:rPr>
-              <a:t>records</a:t>
-            </a:r>
-            <a:endParaRPr lang="en-US" sz="1200" dirty="0">
-              <a:solidFill>
-                <a:srgbClr val="CE4215"/>
-              </a:solidFill>
-            </a:endParaRPr>
+              <a:t>Found 94 records</a:t>
+            </a:r>
           </a:p>
         </p:txBody>
       </p:sp>
@@ -13540,89 +12653,73 @@
           </a:lstStyle>
           <a:p>
             <a:r>
-              <a:rPr lang="en-US" sz="1200" dirty="0" smtClean="0"/>
-              <a:t>&gt;</a:t>
-            </a:r>
-            <a:r>
-              <a:rPr lang="en-US" sz="1200" dirty="0"/>
-              <a:t>&gt;&gt;</a:t>
-            </a:r>
-            <a:r>
-              <a:rPr lang="en-US" sz="1200" dirty="0" err="1" smtClean="0"/>
+              <a:rPr lang="en-US" sz="1200" dirty="0"/>
+              <a:t>&gt;&gt;&gt;</a:t>
+            </a:r>
+            <a:r>
+              <a:rPr lang="en-US" sz="1200" dirty="0" err="1"/>
               <a:t>first_record</a:t>
             </a:r>
             <a:r>
-              <a:rPr lang="en-US" sz="1200" dirty="0" smtClean="0"/>
+              <a:rPr lang="en-US" sz="1200" dirty="0"/>
               <a:t> = records[0] #remember, Python counts from zero</a:t>
             </a:r>
           </a:p>
           <a:p>
             <a:r>
               <a:rPr lang="en-US" sz="1200" dirty="0"/>
-              <a:t>&gt;&gt;&gt;</a:t>
-            </a:r>
-            <a:r>
-              <a:rPr lang="en-US" sz="1200" dirty="0" smtClean="0"/>
-              <a:t>print(</a:t>
-            </a:r>
-            <a:r>
-              <a:rPr lang="en-US" sz="1200" dirty="0" err="1" smtClean="0"/>
+              <a:t>&gt;&gt;&gt;print(</a:t>
+            </a:r>
+            <a:r>
+              <a:rPr lang="en-US" sz="1200" dirty="0" err="1"/>
               <a:t>first_record.id</a:t>
             </a:r>
             <a:r>
-              <a:rPr lang="en-US" sz="1200" dirty="0" smtClean="0"/>
+              <a:rPr lang="en-US" sz="1200" dirty="0"/>
               <a:t>)</a:t>
             </a:r>
           </a:p>
           <a:p>
             <a:r>
               <a:rPr lang="en-US" sz="1200" dirty="0"/>
-              <a:t>&gt;&gt;&gt;</a:t>
-            </a:r>
-            <a:r>
-              <a:rPr lang="en-US" sz="1200" dirty="0" smtClean="0"/>
-              <a:t>print(</a:t>
-            </a:r>
-            <a:r>
-              <a:rPr lang="en-US" sz="1200" dirty="0" err="1" smtClean="0"/>
+              <a:t>&gt;&gt;&gt;print(</a:t>
+            </a:r>
+            <a:r>
+              <a:rPr lang="en-US" sz="1200" dirty="0" err="1"/>
               <a:t>repr</a:t>
             </a:r>
             <a:r>
-              <a:rPr lang="en-US" sz="1200" dirty="0" smtClean="0"/>
+              <a:rPr lang="en-US" sz="1200" dirty="0"/>
               <a:t>(</a:t>
             </a:r>
             <a:r>
-              <a:rPr lang="en-US" sz="1200" dirty="0" err="1" smtClean="0"/>
+              <a:rPr lang="en-US" sz="1200" dirty="0" err="1"/>
               <a:t>first_record.seq</a:t>
             </a:r>
             <a:r>
-              <a:rPr lang="en-US" sz="1200" dirty="0" smtClean="0"/>
+              <a:rPr lang="en-US" sz="1200" dirty="0"/>
               <a:t>))</a:t>
             </a:r>
           </a:p>
           <a:p>
             <a:r>
               <a:rPr lang="en-US" sz="1200" dirty="0"/>
-              <a:t>&gt;&gt;&gt;</a:t>
-            </a:r>
-            <a:r>
-              <a:rPr lang="en-US" sz="1200" dirty="0" smtClean="0"/>
-              <a:t>print(</a:t>
-            </a:r>
-            <a:r>
-              <a:rPr lang="en-US" sz="1200" dirty="0" err="1" smtClean="0"/>
+              <a:t>&gt;&gt;&gt;print(</a:t>
+            </a:r>
+            <a:r>
+              <a:rPr lang="en-US" sz="1200" dirty="0" err="1"/>
               <a:t>len</a:t>
             </a:r>
             <a:r>
-              <a:rPr lang="en-US" sz="1200" dirty="0" smtClean="0"/>
+              <a:rPr lang="en-US" sz="1200" dirty="0"/>
               <a:t>(</a:t>
             </a:r>
             <a:r>
-              <a:rPr lang="en-US" sz="1200" dirty="0" err="1" smtClean="0"/>
+              <a:rPr lang="en-US" sz="1200" dirty="0" err="1"/>
               <a:t>first_record</a:t>
             </a:r>
             <a:r>
-              <a:rPr lang="en-US" sz="1200" dirty="0" smtClean="0"/>
+              <a:rPr lang="en-US" sz="1200" dirty="0"/>
               <a:t>)) </a:t>
             </a:r>
           </a:p>
@@ -13666,18 +12763,13 @@
           </a:lstStyle>
           <a:p>
             <a:r>
-              <a:rPr lang="en-US" sz="1200" dirty="0" smtClean="0">
+              <a:rPr lang="en-US" sz="1200" dirty="0">
                 <a:solidFill>
                   <a:srgbClr val="CE4215"/>
                 </a:solidFill>
               </a:rPr>
               <a:t>Z78439.1</a:t>
             </a:r>
-            <a:endParaRPr lang="en-US" sz="1200" dirty="0">
-              <a:solidFill>
-                <a:srgbClr val="CE4215"/>
-              </a:solidFill>
-            </a:endParaRPr>
           </a:p>
           <a:p>
             <a:r>
@@ -13715,18 +12807,13 @@
           </a:p>
           <a:p>
             <a:r>
-              <a:rPr lang="en-US" sz="1200" dirty="0" smtClean="0">
+              <a:rPr lang="en-US" sz="1200" dirty="0">
                 <a:solidFill>
                   <a:srgbClr val="CE4215"/>
                 </a:solidFill>
               </a:rPr>
               <a:t>592</a:t>
             </a:r>
-            <a:endParaRPr lang="en-US" sz="1200" dirty="0">
-              <a:solidFill>
-                <a:srgbClr val="CE4215"/>
-              </a:solidFill>
-            </a:endParaRPr>
           </a:p>
         </p:txBody>
       </p:sp>
@@ -13768,18 +12855,13 @@
           </a:lstStyle>
           <a:p>
             <a:r>
-              <a:rPr lang="en-US" sz="1200" dirty="0" smtClean="0">
+              <a:rPr lang="en-US" sz="1200" dirty="0">
                 <a:solidFill>
                   <a:srgbClr val="CE4215"/>
                 </a:solidFill>
               </a:rPr>
               <a:t>Z78533.1</a:t>
             </a:r>
-            <a:endParaRPr lang="en-US" sz="1200" dirty="0">
-              <a:solidFill>
-                <a:srgbClr val="CE4215"/>
-              </a:solidFill>
-            </a:endParaRPr>
           </a:p>
           <a:p>
             <a:r>
@@ -13817,18 +12899,13 @@
           </a:p>
           <a:p>
             <a:r>
-              <a:rPr lang="en-US" sz="1200" dirty="0" smtClean="0">
+              <a:rPr lang="en-US" sz="1200" dirty="0">
                 <a:solidFill>
                   <a:srgbClr val="CE4215"/>
                 </a:solidFill>
               </a:rPr>
               <a:t>740</a:t>
             </a:r>
-            <a:endParaRPr lang="en-US" sz="1200" dirty="0">
-              <a:solidFill>
-                <a:srgbClr val="CE4215"/>
-              </a:solidFill>
-            </a:endParaRPr>
           </a:p>
         </p:txBody>
       </p:sp>
@@ -13842,13 +12919,6 @@
   <p:clrMapOvr>
     <a:masterClrMapping/>
   </p:clrMapOvr>
-  <p:timing>
-    <p:tnLst>
-      <p:par>
-        <p:cTn xmlns:p14="http://schemas.microsoft.com/office/powerpoint/2010/main" id="1" dur="indefinite" restart="never" nodeType="tmRoot"/>
-      </p:par>
-    </p:tnLst>
-  </p:timing>
 </p:sld>
 </file>
 
@@ -13913,28 +12983,8 @@
           <a:lstStyle/>
           <a:p>
             <a:r>
-              <a:rPr lang="en-US" dirty="0" smtClean="0"/>
-              <a:t>As </a:t>
-            </a:r>
-            <a:r>
               <a:rPr lang="en-US" dirty="0"/>
-              <a:t>an </a:t>
-            </a:r>
-            <a:r>
-              <a:rPr lang="en-US" dirty="0" smtClean="0"/>
-              <a:t>example of </a:t>
-            </a:r>
-            <a:r>
-              <a:rPr lang="en-US" dirty="0"/>
-              <a:t>how annotations are stored, we'll look at the output from parsing the </a:t>
-            </a:r>
-            <a:r>
-              <a:rPr lang="en-US" dirty="0" smtClean="0"/>
-              <a:t>first </a:t>
-            </a:r>
-            <a:r>
-              <a:rPr lang="en-US" dirty="0"/>
-              <a:t>record in the </a:t>
+              <a:t>As an example of how annotations are stored, we'll look at the output from parsing the first record in the </a:t>
             </a:r>
             <a:r>
               <a:rPr lang="en-US" dirty="0" err="1"/>
@@ -13942,23 +12992,11 @@
             </a:r>
             <a:r>
               <a:rPr lang="en-US" dirty="0"/>
-              <a:t> </a:t>
-            </a:r>
-            <a:r>
-              <a:rPr lang="en-US" dirty="0" smtClean="0"/>
-              <a:t>file </a:t>
-            </a:r>
-            <a:r>
-              <a:rPr lang="en-US" dirty="0" err="1" smtClean="0"/>
-              <a:t>ls</a:t>
+              <a:t> file </a:t>
             </a:r>
             <a:r>
               <a:rPr lang="en-US" dirty="0" err="1"/>
-              <a:t>_</a:t>
-            </a:r>
-            <a:r>
-              <a:rPr lang="en-US" dirty="0" err="1" smtClean="0"/>
-              <a:t>orchid.gbk</a:t>
+              <a:t>ls_orchid.gbk</a:t>
             </a:r>
             <a:r>
               <a:rPr lang="en-US" dirty="0"/>
@@ -13987,7 +13025,7 @@
           <a:p>
             <a:fld id="{08CC1CE2-FA4A-BF48-A633-72794A498081}" type="datetime1">
               <a:rPr lang="fr-FR" smtClean="0"/>
-              <a:t>17/11/16</a:t>
+              <a:t>08/11/2018</a:t>
             </a:fld>
             <a:endParaRPr lang="fr-FR" dirty="0"/>
           </a:p>
@@ -14009,7 +13047,7 @@
           <a:lstStyle/>
           <a:p>
             <a:r>
-              <a:rPr lang="fr-FR" smtClean="0"/>
+              <a:rPr lang="fr-FR"/>
               <a:t>Python pour la biologie</a:t>
             </a:r>
             <a:endParaRPr lang="fr-FR" dirty="0"/>
@@ -14078,16 +13116,12 @@
           </a:lstStyle>
           <a:p>
             <a:r>
-              <a:rPr lang="en-US" sz="1200" dirty="0" err="1" smtClean="0"/>
+              <a:rPr lang="en-US" sz="1200" dirty="0" err="1"/>
               <a:t>record_iterator</a:t>
             </a:r>
             <a:r>
-              <a:rPr lang="en-US" sz="1200" dirty="0" smtClean="0"/>
-              <a:t> </a:t>
-            </a:r>
-            <a:r>
-              <a:rPr lang="en-US" sz="1200" dirty="0"/>
-              <a:t>= </a:t>
+              <a:rPr lang="en-US" sz="1200" dirty="0"/>
+              <a:t> = </a:t>
             </a:r>
             <a:r>
               <a:rPr lang="en-US" sz="1200" dirty="0" err="1"/>
@@ -14142,10 +13176,9 @@
               <a:t>first_record</a:t>
             </a:r>
             <a:r>
-              <a:rPr lang="en-US" sz="1200" dirty="0" smtClean="0"/>
+              <a:rPr lang="en-US" sz="1200" dirty="0"/>
               <a:t>)</a:t>
             </a:r>
-            <a:endParaRPr lang="en-US" sz="1200" dirty="0"/>
           </a:p>
         </p:txBody>
       </p:sp>
@@ -14358,12 +13391,8 @@
           </a:lstStyle>
           <a:p>
             <a:r>
-              <a:rPr lang="en-US" dirty="0" smtClean="0"/>
-              <a:t>Human </a:t>
-            </a:r>
-            <a:r>
               <a:rPr lang="en-US" dirty="0"/>
-              <a:t>readable summary of most of the annotation data for the </a:t>
+              <a:t>Human readable summary of most of the annotation data for the </a:t>
             </a:r>
             <a:r>
               <a:rPr lang="en-US" dirty="0" err="1"/>
@@ -14768,13 +13797,6 @@
   <p:clrMapOvr>
     <a:masterClrMapping/>
   </p:clrMapOvr>
-  <p:timing>
-    <p:tnLst>
-      <p:par>
-        <p:cTn xmlns:p14="http://schemas.microsoft.com/office/powerpoint/2010/main" id="1" dur="indefinite" restart="never" nodeType="tmRoot"/>
-      </p:par>
-    </p:tnLst>
-  </p:timing>
 </p:sld>
 </file>
 
@@ -14836,29 +13858,8 @@
           <a:p>
             <a:r>
               <a:rPr lang="en-US" dirty="0"/>
-              <a:t>.</a:t>
-            </a:r>
-            <a:r>
-              <a:rPr lang="en-US" dirty="0" smtClean="0"/>
-              <a:t>annotations attribute </a:t>
-            </a:r>
-            <a:r>
-              <a:rPr lang="en-US" dirty="0"/>
-              <a:t>which is just a Python dictionary</a:t>
-            </a:r>
-            <a:r>
-              <a:rPr lang="en-US" dirty="0" smtClean="0"/>
-              <a:t>. </a:t>
-            </a:r>
-            <a:r>
-              <a:rPr lang="en-US" dirty="0"/>
-              <a:t>Like any Python dictionary, you can easily get a list of the </a:t>
-            </a:r>
-            <a:r>
-              <a:rPr lang="en-US" dirty="0" smtClean="0"/>
-              <a:t>keys and values:</a:t>
-            </a:r>
-            <a:endParaRPr lang="en-US" dirty="0"/>
+              <a:t>.annotations attribute which is just a Python dictionary. Like any Python dictionary, you can easily get a list of the keys and values:</a:t>
+            </a:r>
           </a:p>
           <a:p>
             <a:endParaRPr lang="en-US" dirty="0"/>
@@ -14882,7 +13883,7 @@
           <a:p>
             <a:fld id="{C6E96DDF-712C-D346-ACEE-2353D137A244}" type="datetime1">
               <a:rPr lang="fr-FR" smtClean="0"/>
-              <a:t>17/11/16</a:t>
+              <a:t>08/11/2018</a:t>
             </a:fld>
             <a:endParaRPr lang="fr-FR" dirty="0"/>
           </a:p>
@@ -14904,7 +13905,7 @@
           <a:lstStyle/>
           <a:p>
             <a:r>
-              <a:rPr lang="fr-FR" smtClean="0"/>
+              <a:rPr lang="fr-FR"/>
               <a:t>Python pour la biologie</a:t>
             </a:r>
             <a:endParaRPr lang="fr-FR" dirty="0"/>
@@ -14987,12 +13988,8 @@
           </a:p>
           <a:p>
             <a:r>
-              <a:rPr lang="en-US" sz="1200" dirty="0" smtClean="0"/>
-              <a:t>print</a:t>
-            </a:r>
-            <a:r>
-              <a:rPr lang="en-US" sz="1200" dirty="0"/>
-              <a:t>(</a:t>
+              <a:rPr lang="en-US" sz="1200" dirty="0"/>
+              <a:t>print(</a:t>
             </a:r>
             <a:r>
               <a:rPr lang="en-US" sz="1200" dirty="0" err="1"/>
@@ -15005,12 +14002,8 @@
           </a:p>
           <a:p>
             <a:r>
-              <a:rPr lang="en-US" sz="1200" dirty="0" smtClean="0"/>
-              <a:t>print</a:t>
-            </a:r>
-            <a:r>
-              <a:rPr lang="en-US" sz="1200" dirty="0"/>
-              <a:t>(</a:t>
+              <a:rPr lang="en-US" sz="1200" dirty="0"/>
+              <a:t>print(</a:t>
             </a:r>
             <a:r>
               <a:rPr lang="en-US" sz="1200" dirty="0" err="1"/>
@@ -15083,7 +14076,7 @@
               <a:t>Cypripedium </a:t>
             </a:r>
             <a:r>
-              <a:rPr lang="en-US" sz="1200" dirty="0" err="1" smtClean="0">
+              <a:rPr lang="en-US" sz="1200" dirty="0" err="1">
                 <a:solidFill>
                   <a:srgbClr val="FF0000"/>
                 </a:solidFill>
@@ -15311,7 +14304,7 @@
               <a:t>extract a list of the species from the </a:t>
             </a:r>
             <a:r>
-              <a:rPr lang="en-US" dirty="0" err="1" smtClean="0"/>
+              <a:rPr lang="en-US" dirty="0" err="1"/>
               <a:t>ls</a:t>
             </a:r>
             <a:r>
@@ -15319,11 +14312,11 @@
               <a:t> </a:t>
             </a:r>
             <a:r>
-              <a:rPr lang="en-US" dirty="0" err="1" smtClean="0"/>
+              <a:rPr lang="en-US" dirty="0" err="1"/>
               <a:t>orchid.gbk</a:t>
             </a:r>
             <a:r>
-              <a:rPr lang="en-US" dirty="0" smtClean="0"/>
+              <a:rPr lang="en-US" dirty="0"/>
               <a:t> </a:t>
             </a:r>
             <a:r>
@@ -15332,21 +14325,8 @@
             </a:r>
             <a:r>
               <a:rPr lang="en-US" dirty="0"/>
-              <a:t> le. The </a:t>
-            </a:r>
-            <a:r>
-              <a:rPr lang="en-US" dirty="0" smtClean="0"/>
-              <a:t>information we want is </a:t>
-            </a:r>
-            <a:r>
-              <a:rPr lang="en-US" dirty="0"/>
-              <a:t>held in the annotations dictionary under `source' and `</a:t>
-            </a:r>
-            <a:r>
-              <a:rPr lang="en-US" dirty="0" smtClean="0"/>
-              <a:t>organism’:</a:t>
-            </a:r>
-            <a:endParaRPr lang="en-US" dirty="0"/>
+              <a:t> le. The information we want is held in the annotations dictionary under `source' and `organism’:</a:t>
+            </a:r>
           </a:p>
         </p:txBody>
       </p:sp>
@@ -15559,15 +14539,15 @@
           </a:lstStyle>
           <a:p>
             <a:r>
-              <a:rPr lang="en-US" dirty="0" smtClean="0"/>
+              <a:rPr lang="en-US" dirty="0"/>
               <a:t>In general, `organism' is used for the scientific name (in Latin, e.g. Arabidopsis thaliana), while `source’ will often be the common name (e.g. </a:t>
             </a:r>
             <a:r>
-              <a:rPr lang="en-US" dirty="0" err="1" smtClean="0"/>
+              <a:rPr lang="en-US" dirty="0" err="1"/>
               <a:t>thale</a:t>
             </a:r>
             <a:r>
-              <a:rPr lang="en-US" dirty="0" smtClean="0"/>
+              <a:rPr lang="en-US" dirty="0"/>
               <a:t> cress)</a:t>
             </a:r>
           </a:p>
@@ -15614,12 +14594,8 @@
           </a:lstStyle>
           <a:p>
             <a:r>
-              <a:rPr lang="en-US" sz="1200" dirty="0" smtClean="0"/>
-              <a:t>&gt;</a:t>
-            </a:r>
-            <a:r>
-              <a:rPr lang="en-US" sz="1200" dirty="0"/>
-              <a:t>&gt;&gt; print(</a:t>
+              <a:rPr lang="en-US" sz="1200" dirty="0"/>
+              <a:t>&gt;&gt;&gt; print(</a:t>
             </a:r>
             <a:r>
               <a:rPr lang="en-US" sz="1200" dirty="0" err="1"/>
@@ -15665,13 +14641,6 @@
   <p:clrMapOvr>
     <a:masterClrMapping/>
   </p:clrMapOvr>
-  <p:timing>
-    <p:tnLst>
-      <p:par>
-        <p:cTn xmlns:p14="http://schemas.microsoft.com/office/powerpoint/2010/main" id="1" dur="indefinite" restart="never" nodeType="tmRoot"/>
-      </p:par>
-    </p:tnLst>
-  </p:timing>
 </p:sld>
 </file>
 
